--- a/Backup i Restore MongoDB.pptx
+++ b/Backup i Restore MongoDB.pptx
@@ -15,9 +15,8 @@
     <p:sldId id="274" r:id="rId9"/>
     <p:sldId id="270" r:id="rId10"/>
     <p:sldId id="271" r:id="rId11"/>
-    <p:sldId id="272" r:id="rId12"/>
-    <p:sldId id="273" r:id="rId13"/>
-    <p:sldId id="275" r:id="rId14"/>
+    <p:sldId id="273" r:id="rId12"/>
+    <p:sldId id="275" r:id="rId13"/>
   </p:sldIdLst>
   <p:sldSz cx="12192000" cy="6858000"/>
   <p:notesSz cx="6858000" cy="9144000"/>
@@ -341,7 +340,7 @@
           <a:p>
             <a:fld id="{9AB3A824-1A51-4B26-AD58-A6D8E14F6C04}" type="datetimeFigureOut">
               <a:rPr lang="en-US" dirty="0"/>
-              <a:t>13-Nov-25</a:t>
+              <a:t>14-Nov-25</a:t>
             </a:fld>
             <a:endParaRPr lang="en-US" dirty="0"/>
           </a:p>
@@ -675,7 +674,7 @@
           <a:p>
             <a:fld id="{D857E33E-8B18-4087-B112-809917729534}" type="datetimeFigureOut">
               <a:rPr lang="en-US" dirty="0"/>
-              <a:t>13-Nov-25</a:t>
+              <a:t>14-Nov-25</a:t>
             </a:fld>
             <a:endParaRPr lang="en-US" dirty="0"/>
           </a:p>
@@ -977,7 +976,7 @@
           <a:p>
             <a:fld id="{D3FFE419-2371-464F-8239-3959401C3561}" type="datetimeFigureOut">
               <a:rPr lang="en-US" dirty="0"/>
-              <a:t>13-Nov-25</a:t>
+              <a:t>14-Nov-25</a:t>
             </a:fld>
             <a:endParaRPr lang="en-US" dirty="0"/>
           </a:p>
@@ -1224,7 +1223,7 @@
           <a:p>
             <a:fld id="{97D162C4-EDD9-4389-A98B-B87ECEA2A816}" type="datetimeFigureOut">
               <a:rPr lang="en-US" dirty="0"/>
-              <a:t>13-Nov-25</a:t>
+              <a:t>14-Nov-25</a:t>
             </a:fld>
             <a:endParaRPr lang="en-US" dirty="0"/>
           </a:p>
@@ -1631,7 +1630,7 @@
           <a:p>
             <a:fld id="{3E5059C3-6A89-4494-99FF-5A4D6FFD50EB}" type="datetimeFigureOut">
               <a:rPr lang="en-US" dirty="0"/>
-              <a:t>13-Nov-25</a:t>
+              <a:t>14-Nov-25</a:t>
             </a:fld>
             <a:endParaRPr lang="en-US" dirty="0"/>
           </a:p>
@@ -1945,7 +1944,7 @@
           <a:p>
             <a:fld id="{CA954B2F-12DE-47F5-8894-472B206D2E1E}" type="datetimeFigureOut">
               <a:rPr lang="en-US" dirty="0"/>
-              <a:t>13-Nov-25</a:t>
+              <a:t>14-Nov-25</a:t>
             </a:fld>
             <a:endParaRPr lang="en-US" dirty="0"/>
           </a:p>
@@ -2489,7 +2488,7 @@
           <a:p>
             <a:fld id="{3F30E46F-7819-4ACF-B48B-48222C2ACC88}" type="datetimeFigureOut">
               <a:rPr lang="en-US" dirty="0"/>
-              <a:t>13-Nov-25</a:t>
+              <a:t>14-Nov-25</a:t>
             </a:fld>
             <a:endParaRPr lang="en-US" dirty="0"/>
           </a:p>
@@ -2684,7 +2683,7 @@
           <a:p>
             <a:fld id="{1FAF3416-4057-4DAA-829D-4CA07428D088}" type="datetimeFigureOut">
               <a:rPr lang="en-US" dirty="0"/>
-              <a:t>13-Nov-25</a:t>
+              <a:t>14-Nov-25</a:t>
             </a:fld>
             <a:endParaRPr lang="en-US" dirty="0"/>
           </a:p>
@@ -2897,7 +2896,7 @@
           <a:p>
             <a:fld id="{921D9284-D300-4297-87F7-E791DCC15DB1}" type="datetimeFigureOut">
               <a:rPr lang="en-US" dirty="0"/>
-              <a:t>13-Nov-25</a:t>
+              <a:t>14-Nov-25</a:t>
             </a:fld>
             <a:endParaRPr lang="en-US" dirty="0"/>
           </a:p>
@@ -3266,7 +3265,7 @@
           <a:p>
             <a:fld id="{37D525BB-DA17-4BA0-B3C8-3AC3ABC827E6}" type="datetimeFigureOut">
               <a:rPr lang="en-US" dirty="0"/>
-              <a:t>13-Nov-25</a:t>
+              <a:t>14-Nov-25</a:t>
             </a:fld>
             <a:endParaRPr lang="en-US" dirty="0"/>
           </a:p>
@@ -3669,7 +3668,7 @@
           <a:p>
             <a:fld id="{B16C4C9A-3960-41CF-A4E9-2A8FB932454B}" type="datetimeFigureOut">
               <a:rPr lang="en-US" dirty="0"/>
-              <a:t>13-Nov-25</a:t>
+              <a:t>14-Nov-25</a:t>
             </a:fld>
             <a:endParaRPr lang="en-US" dirty="0"/>
           </a:p>
@@ -3980,7 +3979,7 @@
           <a:p>
             <a:fld id="{3CBC1C18-307B-4F68-A007-B5B542270E8D}" type="datetimeFigureOut">
               <a:rPr lang="en-US" dirty="0"/>
-              <a:t>13-Nov-25</a:t>
+              <a:t>14-Nov-25</a:t>
             </a:fld>
             <a:endParaRPr lang="en-US" dirty="0"/>
           </a:p>
@@ -4706,8 +4705,8 @@
         </p:nvSpPr>
         <p:spPr>
           <a:xfrm>
-            <a:off x="2122228" y="1573943"/>
-            <a:ext cx="8254953" cy="4717800"/>
+            <a:off x="2122229" y="1573943"/>
+            <a:ext cx="7457964" cy="2301771"/>
           </a:xfrm>
         </p:spPr>
         <p:txBody>
@@ -4717,10 +4716,335 @@
           <a:lstStyle/>
           <a:p>
             <a:pPr algn="just"/>
-            <a:endParaRPr lang="en-US" sz="1800" dirty="0"/>
-          </a:p>
-        </p:txBody>
-      </p:sp>
+            <a:r>
+              <a:rPr lang="en-US" sz="1800" b="1" dirty="0" err="1">
+                <a:latin typeface="Times New Roman" panose="02020603050405020304" pitchFamily="18" charset="0"/>
+                <a:cs typeface="Times New Roman" panose="02020603050405020304" pitchFamily="18" charset="0"/>
+              </a:rPr>
+              <a:t>Logička</a:t>
+            </a:r>
+            <a:r>
+              <a:rPr lang="en-US" sz="1800" b="1" dirty="0">
+                <a:latin typeface="Times New Roman" panose="02020603050405020304" pitchFamily="18" charset="0"/>
+                <a:cs typeface="Times New Roman" panose="02020603050405020304" pitchFamily="18" charset="0"/>
+              </a:rPr>
+              <a:t> </a:t>
+            </a:r>
+            <a:r>
+              <a:rPr lang="en-US" sz="1800" dirty="0" err="1">
+                <a:latin typeface="Times New Roman" panose="02020603050405020304" pitchFamily="18" charset="0"/>
+                <a:cs typeface="Times New Roman" panose="02020603050405020304" pitchFamily="18" charset="0"/>
+              </a:rPr>
+              <a:t>kopija</a:t>
+            </a:r>
+            <a:r>
+              <a:rPr lang="en-US" sz="1800" dirty="0">
+                <a:latin typeface="Times New Roman" panose="02020603050405020304" pitchFamily="18" charset="0"/>
+                <a:cs typeface="Times New Roman" panose="02020603050405020304" pitchFamily="18" charset="0"/>
+              </a:rPr>
+              <a:t> </a:t>
+            </a:r>
+            <a:r>
+              <a:rPr lang="en-US" sz="1800" dirty="0" err="1">
+                <a:latin typeface="Times New Roman" panose="02020603050405020304" pitchFamily="18" charset="0"/>
+                <a:cs typeface="Times New Roman" panose="02020603050405020304" pitchFamily="18" charset="0"/>
+              </a:rPr>
+              <a:t>podataka</a:t>
+            </a:r>
+            <a:r>
+              <a:rPr lang="en-US" sz="1800" dirty="0">
+                <a:latin typeface="Times New Roman" panose="02020603050405020304" pitchFamily="18" charset="0"/>
+                <a:cs typeface="Times New Roman" panose="02020603050405020304" pitchFamily="18" charset="0"/>
+              </a:rPr>
+              <a:t> – </a:t>
+            </a:r>
+            <a:r>
+              <a:rPr lang="en-US" sz="1800" dirty="0" err="1">
+                <a:latin typeface="Times New Roman" panose="02020603050405020304" pitchFamily="18" charset="0"/>
+                <a:cs typeface="Times New Roman" panose="02020603050405020304" pitchFamily="18" charset="0"/>
+              </a:rPr>
+              <a:t>lak</a:t>
+            </a:r>
+            <a:r>
+              <a:rPr lang="en-US" sz="1800" dirty="0">
+                <a:latin typeface="Times New Roman" panose="02020603050405020304" pitchFamily="18" charset="0"/>
+                <a:cs typeface="Times New Roman" panose="02020603050405020304" pitchFamily="18" charset="0"/>
+              </a:rPr>
+              <a:t> </a:t>
+            </a:r>
+            <a:r>
+              <a:rPr lang="en-US" sz="1800" dirty="0" err="1">
+                <a:latin typeface="Times New Roman" panose="02020603050405020304" pitchFamily="18" charset="0"/>
+                <a:cs typeface="Times New Roman" panose="02020603050405020304" pitchFamily="18" charset="0"/>
+              </a:rPr>
+              <a:t>prenos</a:t>
+            </a:r>
+            <a:r>
+              <a:rPr lang="en-US" sz="1800" dirty="0">
+                <a:latin typeface="Times New Roman" panose="02020603050405020304" pitchFamily="18" charset="0"/>
+                <a:cs typeface="Times New Roman" panose="02020603050405020304" pitchFamily="18" charset="0"/>
+              </a:rPr>
+              <a:t> </a:t>
+            </a:r>
+            <a:r>
+              <a:rPr lang="en-US" sz="1800" dirty="0" err="1">
+                <a:latin typeface="Times New Roman" panose="02020603050405020304" pitchFamily="18" charset="0"/>
+                <a:cs typeface="Times New Roman" panose="02020603050405020304" pitchFamily="18" charset="0"/>
+              </a:rPr>
+              <a:t>između</a:t>
+            </a:r>
+            <a:r>
+              <a:rPr lang="en-US" sz="1800" dirty="0">
+                <a:latin typeface="Times New Roman" panose="02020603050405020304" pitchFamily="18" charset="0"/>
+                <a:cs typeface="Times New Roman" panose="02020603050405020304" pitchFamily="18" charset="0"/>
+              </a:rPr>
+              <a:t> </a:t>
+            </a:r>
+            <a:r>
+              <a:rPr lang="en-US" sz="1800" dirty="0" err="1">
+                <a:latin typeface="Times New Roman" panose="02020603050405020304" pitchFamily="18" charset="0"/>
+                <a:cs typeface="Times New Roman" panose="02020603050405020304" pitchFamily="18" charset="0"/>
+              </a:rPr>
+              <a:t>okruženja</a:t>
+            </a:r>
+            <a:endParaRPr lang="en-US" sz="1800" dirty="0">
+              <a:latin typeface="Times New Roman" panose="02020603050405020304" pitchFamily="18" charset="0"/>
+              <a:cs typeface="Times New Roman" panose="02020603050405020304" pitchFamily="18" charset="0"/>
+            </a:endParaRPr>
+          </a:p>
+          <a:p>
+            <a:pPr algn="just"/>
+            <a:r>
+              <a:rPr lang="en-US" sz="1800" dirty="0" err="1">
+                <a:latin typeface="Times New Roman" panose="02020603050405020304" pitchFamily="18" charset="0"/>
+                <a:cs typeface="Times New Roman" panose="02020603050405020304" pitchFamily="18" charset="0"/>
+              </a:rPr>
+              <a:t>Granularnost</a:t>
+            </a:r>
+            <a:r>
+              <a:rPr lang="en-US" sz="1800" dirty="0">
+                <a:latin typeface="Times New Roman" panose="02020603050405020304" pitchFamily="18" charset="0"/>
+                <a:cs typeface="Times New Roman" panose="02020603050405020304" pitchFamily="18" charset="0"/>
+              </a:rPr>
+              <a:t> - </a:t>
+            </a:r>
+            <a:r>
+              <a:rPr lang="en-US" sz="1800" dirty="0" err="1">
+                <a:latin typeface="Times New Roman" panose="02020603050405020304" pitchFamily="18" charset="0"/>
+                <a:cs typeface="Times New Roman" panose="02020603050405020304" pitchFamily="18" charset="0"/>
+              </a:rPr>
+              <a:t>pogodan</a:t>
+            </a:r>
+            <a:r>
+              <a:rPr lang="en-US" sz="1800" dirty="0">
+                <a:latin typeface="Times New Roman" panose="02020603050405020304" pitchFamily="18" charset="0"/>
+                <a:cs typeface="Times New Roman" panose="02020603050405020304" pitchFamily="18" charset="0"/>
+              </a:rPr>
+              <a:t> za </a:t>
+            </a:r>
+            <a:r>
+              <a:rPr lang="en-US" sz="1800" dirty="0" err="1">
+                <a:latin typeface="Times New Roman" panose="02020603050405020304" pitchFamily="18" charset="0"/>
+                <a:cs typeface="Times New Roman" panose="02020603050405020304" pitchFamily="18" charset="0"/>
+              </a:rPr>
+              <a:t>selektivni</a:t>
+            </a:r>
+            <a:r>
+              <a:rPr lang="en-US" sz="1800" dirty="0">
+                <a:latin typeface="Times New Roman" panose="02020603050405020304" pitchFamily="18" charset="0"/>
+                <a:cs typeface="Times New Roman" panose="02020603050405020304" pitchFamily="18" charset="0"/>
+              </a:rPr>
+              <a:t> </a:t>
+            </a:r>
+            <a:r>
+              <a:rPr lang="en-US" sz="1800" dirty="0" err="1">
+                <a:latin typeface="Times New Roman" panose="02020603050405020304" pitchFamily="18" charset="0"/>
+                <a:cs typeface="Times New Roman" panose="02020603050405020304" pitchFamily="18" charset="0"/>
+              </a:rPr>
+              <a:t>oporavak</a:t>
+            </a:r>
+            <a:r>
+              <a:rPr lang="en-US" sz="1800" dirty="0">
+                <a:latin typeface="Times New Roman" panose="02020603050405020304" pitchFamily="18" charset="0"/>
+                <a:cs typeface="Times New Roman" panose="02020603050405020304" pitchFamily="18" charset="0"/>
+              </a:rPr>
+              <a:t> </a:t>
+            </a:r>
+            <a:r>
+              <a:rPr lang="en-US" sz="1800" dirty="0" err="1">
+                <a:latin typeface="Times New Roman" panose="02020603050405020304" pitchFamily="18" charset="0"/>
+                <a:cs typeface="Times New Roman" panose="02020603050405020304" pitchFamily="18" charset="0"/>
+              </a:rPr>
+              <a:t>i</a:t>
+            </a:r>
+            <a:r>
+              <a:rPr lang="en-US" sz="1800" dirty="0">
+                <a:latin typeface="Times New Roman" panose="02020603050405020304" pitchFamily="18" charset="0"/>
+                <a:cs typeface="Times New Roman" panose="02020603050405020304" pitchFamily="18" charset="0"/>
+              </a:rPr>
+              <a:t> </a:t>
+            </a:r>
+            <a:r>
+              <a:rPr lang="en-US" sz="1800" dirty="0" err="1">
+                <a:latin typeface="Times New Roman" panose="02020603050405020304" pitchFamily="18" charset="0"/>
+                <a:cs typeface="Times New Roman" panose="02020603050405020304" pitchFamily="18" charset="0"/>
+              </a:rPr>
+              <a:t>migracije</a:t>
+            </a:r>
+            <a:endParaRPr lang="en-US" sz="1800" dirty="0">
+              <a:latin typeface="Times New Roman" panose="02020603050405020304" pitchFamily="18" charset="0"/>
+              <a:cs typeface="Times New Roman" panose="02020603050405020304" pitchFamily="18" charset="0"/>
+            </a:endParaRPr>
+          </a:p>
+          <a:p>
+            <a:pPr algn="just"/>
+            <a:r>
+              <a:rPr lang="en-US" sz="1800" dirty="0" err="1">
+                <a:latin typeface="Times New Roman" panose="02020603050405020304" pitchFamily="18" charset="0"/>
+                <a:cs typeface="Times New Roman" panose="02020603050405020304" pitchFamily="18" charset="0"/>
+              </a:rPr>
+              <a:t>Ponovna</a:t>
+            </a:r>
+            <a:r>
+              <a:rPr lang="en-US" sz="1800" dirty="0">
+                <a:latin typeface="Times New Roman" panose="02020603050405020304" pitchFamily="18" charset="0"/>
+                <a:cs typeface="Times New Roman" panose="02020603050405020304" pitchFamily="18" charset="0"/>
+              </a:rPr>
+              <a:t> </a:t>
+            </a:r>
+            <a:r>
+              <a:rPr lang="en-US" sz="1800" dirty="0" err="1">
+                <a:latin typeface="Times New Roman" panose="02020603050405020304" pitchFamily="18" charset="0"/>
+                <a:cs typeface="Times New Roman" panose="02020603050405020304" pitchFamily="18" charset="0"/>
+              </a:rPr>
+              <a:t>izgradnja</a:t>
+            </a:r>
+            <a:r>
+              <a:rPr lang="en-US" sz="1800" dirty="0">
+                <a:latin typeface="Times New Roman" panose="02020603050405020304" pitchFamily="18" charset="0"/>
+                <a:cs typeface="Times New Roman" panose="02020603050405020304" pitchFamily="18" charset="0"/>
+              </a:rPr>
+              <a:t> </a:t>
+            </a:r>
+            <a:r>
+              <a:rPr lang="en-US" sz="1800" dirty="0" err="1">
+                <a:latin typeface="Times New Roman" panose="02020603050405020304" pitchFamily="18" charset="0"/>
+                <a:cs typeface="Times New Roman" panose="02020603050405020304" pitchFamily="18" charset="0"/>
+              </a:rPr>
+              <a:t>indeksa</a:t>
+            </a:r>
+            <a:r>
+              <a:rPr lang="en-US" sz="1800" dirty="0">
+                <a:latin typeface="Times New Roman" panose="02020603050405020304" pitchFamily="18" charset="0"/>
+                <a:cs typeface="Times New Roman" panose="02020603050405020304" pitchFamily="18" charset="0"/>
+              </a:rPr>
+              <a:t> </a:t>
+            </a:r>
+            <a:r>
+              <a:rPr lang="en-US" sz="1800" dirty="0" err="1">
+                <a:latin typeface="Times New Roman" panose="02020603050405020304" pitchFamily="18" charset="0"/>
+                <a:cs typeface="Times New Roman" panose="02020603050405020304" pitchFamily="18" charset="0"/>
+              </a:rPr>
+              <a:t>pri</a:t>
+            </a:r>
+            <a:r>
+              <a:rPr lang="en-US" sz="1800" dirty="0">
+                <a:latin typeface="Times New Roman" panose="02020603050405020304" pitchFamily="18" charset="0"/>
+                <a:cs typeface="Times New Roman" panose="02020603050405020304" pitchFamily="18" charset="0"/>
+              </a:rPr>
+              <a:t> </a:t>
+            </a:r>
+            <a:r>
+              <a:rPr lang="en-US" sz="1800" dirty="0" err="1">
+                <a:latin typeface="Times New Roman" panose="02020603050405020304" pitchFamily="18" charset="0"/>
+                <a:cs typeface="Times New Roman" panose="02020603050405020304" pitchFamily="18" charset="0"/>
+              </a:rPr>
+              <a:t>oporavku</a:t>
+            </a:r>
+            <a:r>
+              <a:rPr lang="en-US" sz="1800" dirty="0">
+                <a:latin typeface="Times New Roman" panose="02020603050405020304" pitchFamily="18" charset="0"/>
+                <a:cs typeface="Times New Roman" panose="02020603050405020304" pitchFamily="18" charset="0"/>
+              </a:rPr>
+              <a:t> (</a:t>
+            </a:r>
+            <a:r>
+              <a:rPr lang="en-US" sz="1800" dirty="0" err="1">
+                <a:latin typeface="Times New Roman" panose="02020603050405020304" pitchFamily="18" charset="0"/>
+                <a:cs typeface="Times New Roman" panose="02020603050405020304" pitchFamily="18" charset="0"/>
+              </a:rPr>
+              <a:t>podrazumevano</a:t>
+            </a:r>
+            <a:r>
+              <a:rPr lang="en-US" sz="1800" dirty="0">
+                <a:latin typeface="Times New Roman" panose="02020603050405020304" pitchFamily="18" charset="0"/>
+                <a:cs typeface="Times New Roman" panose="02020603050405020304" pitchFamily="18" charset="0"/>
+              </a:rPr>
+              <a:t>)</a:t>
+            </a:r>
+          </a:p>
+        </p:txBody>
+      </p:sp>
+      <p:pic>
+        <p:nvPicPr>
+          <p:cNvPr id="7" name="Picture 6">
+            <a:extLst>
+              <a:ext uri="{FF2B5EF4-FFF2-40B4-BE49-F238E27FC236}">
+                <a16:creationId xmlns:a16="http://schemas.microsoft.com/office/drawing/2014/main" id="{1812840E-D312-4FB3-96EF-E22E453303B8}"/>
+              </a:ext>
+            </a:extLst>
+          </p:cNvPr>
+          <p:cNvPicPr>
+            <a:picLocks noChangeAspect="1"/>
+          </p:cNvPicPr>
+          <p:nvPr/>
+        </p:nvPicPr>
+        <p:blipFill>
+          <a:blip r:embed="rId2"/>
+          <a:stretch>
+            <a:fillRect/>
+          </a:stretch>
+        </p:blipFill>
+        <p:spPr>
+          <a:xfrm>
+            <a:off x="3757285" y="4185674"/>
+            <a:ext cx="4677428" cy="819264"/>
+          </a:xfrm>
+          <a:prstGeom prst="rect">
+            <a:avLst/>
+          </a:prstGeom>
+        </p:spPr>
+      </p:pic>
+      <p:pic>
+        <p:nvPicPr>
+          <p:cNvPr id="9" name="Picture 8">
+            <a:extLst>
+              <a:ext uri="{FF2B5EF4-FFF2-40B4-BE49-F238E27FC236}">
+                <a16:creationId xmlns:a16="http://schemas.microsoft.com/office/drawing/2014/main" id="{F62452AD-A055-4E34-B519-1D68F620D430}"/>
+              </a:ext>
+            </a:extLst>
+          </p:cNvPr>
+          <p:cNvPicPr>
+            <a:picLocks noChangeAspect="1"/>
+          </p:cNvPicPr>
+          <p:nvPr/>
+        </p:nvPicPr>
+        <p:blipFill>
+          <a:blip r:embed="rId3"/>
+          <a:stretch>
+            <a:fillRect/>
+          </a:stretch>
+        </p:blipFill>
+        <p:spPr>
+          <a:xfrm>
+            <a:off x="2723679" y="5319095"/>
+            <a:ext cx="6744641" cy="847843"/>
+          </a:xfrm>
+          <a:prstGeom prst="rect">
+            <a:avLst/>
+          </a:prstGeom>
+        </p:spPr>
+      </p:pic>
     </p:spTree>
     <p:extLst>
       <p:ext uri="{BB962C8B-B14F-4D97-AF65-F5344CB8AC3E}">
@@ -4756,147 +5080,6 @@
           <p:cNvPr id="2" name="Title 1">
             <a:extLst>
               <a:ext uri="{FF2B5EF4-FFF2-40B4-BE49-F238E27FC236}">
-                <a16:creationId xmlns:a16="http://schemas.microsoft.com/office/drawing/2014/main" id="{86AABAA4-618F-4ABC-ABAD-911A3FAD2D23}"/>
-              </a:ext>
-            </a:extLst>
-          </p:cNvPr>
-          <p:cNvSpPr>
-            <a:spLocks noGrp="1"/>
-          </p:cNvSpPr>
-          <p:nvPr>
-            <p:ph type="title"/>
-          </p:nvPr>
-        </p:nvSpPr>
-        <p:spPr/>
-        <p:txBody>
-          <a:bodyPr/>
-          <a:lstStyle/>
-          <a:p>
-            <a:pPr algn="l"/>
-            <a:r>
-              <a:rPr lang="en-US" dirty="0" err="1">
-                <a:latin typeface="Times New Roman" panose="02020603050405020304" pitchFamily="18" charset="0"/>
-                <a:cs typeface="Times New Roman" panose="02020603050405020304" pitchFamily="18" charset="0"/>
-              </a:rPr>
-              <a:t>Treća</a:t>
-            </a:r>
-            <a:r>
-              <a:rPr lang="en-US" dirty="0">
-                <a:latin typeface="Times New Roman" panose="02020603050405020304" pitchFamily="18" charset="0"/>
-                <a:cs typeface="Times New Roman" panose="02020603050405020304" pitchFamily="18" charset="0"/>
-              </a:rPr>
-              <a:t> </a:t>
-            </a:r>
-            <a:r>
-              <a:rPr lang="en-US" dirty="0" err="1">
-                <a:latin typeface="Times New Roman" panose="02020603050405020304" pitchFamily="18" charset="0"/>
-                <a:cs typeface="Times New Roman" panose="02020603050405020304" pitchFamily="18" charset="0"/>
-              </a:rPr>
-              <a:t>lica</a:t>
-            </a:r>
-            <a:r>
-              <a:rPr lang="en-US" dirty="0">
-                <a:latin typeface="Times New Roman" panose="02020603050405020304" pitchFamily="18" charset="0"/>
-                <a:cs typeface="Times New Roman" panose="02020603050405020304" pitchFamily="18" charset="0"/>
-              </a:rPr>
-              <a:t> </a:t>
-            </a:r>
-            <a:r>
-              <a:rPr lang="en-US" dirty="0" err="1">
-                <a:latin typeface="Times New Roman" panose="02020603050405020304" pitchFamily="18" charset="0"/>
-                <a:cs typeface="Times New Roman" panose="02020603050405020304" pitchFamily="18" charset="0"/>
-              </a:rPr>
-              <a:t>i</a:t>
-            </a:r>
-            <a:r>
-              <a:rPr lang="en-US" dirty="0">
-                <a:latin typeface="Times New Roman" panose="02020603050405020304" pitchFamily="18" charset="0"/>
-                <a:cs typeface="Times New Roman" panose="02020603050405020304" pitchFamily="18" charset="0"/>
-              </a:rPr>
-              <a:t> </a:t>
-            </a:r>
-            <a:r>
-              <a:rPr lang="en-US" dirty="0" err="1">
-                <a:latin typeface="Times New Roman" panose="02020603050405020304" pitchFamily="18" charset="0"/>
-                <a:cs typeface="Times New Roman" panose="02020603050405020304" pitchFamily="18" charset="0"/>
-              </a:rPr>
-              <a:t>okruženje</a:t>
-            </a:r>
-            <a:endParaRPr lang="en-US" dirty="0">
-              <a:latin typeface="Times New Roman" panose="02020603050405020304" pitchFamily="18" charset="0"/>
-              <a:cs typeface="Times New Roman" panose="02020603050405020304" pitchFamily="18" charset="0"/>
-            </a:endParaRPr>
-          </a:p>
-        </p:txBody>
-      </p:sp>
-      <p:sp>
-        <p:nvSpPr>
-          <p:cNvPr id="3" name="Content Placeholder 2">
-            <a:extLst>
-              <a:ext uri="{FF2B5EF4-FFF2-40B4-BE49-F238E27FC236}">
-                <a16:creationId xmlns:a16="http://schemas.microsoft.com/office/drawing/2014/main" id="{17C349F5-62DA-42B4-87FB-91B8A185532C}"/>
-              </a:ext>
-            </a:extLst>
-          </p:cNvPr>
-          <p:cNvSpPr>
-            <a:spLocks noGrp="1"/>
-          </p:cNvSpPr>
-          <p:nvPr>
-            <p:ph idx="1"/>
-          </p:nvPr>
-        </p:nvSpPr>
-        <p:spPr>
-          <a:xfrm>
-            <a:off x="2323750" y="1501629"/>
-            <a:ext cx="8246389" cy="4548315"/>
-          </a:xfrm>
-        </p:spPr>
-        <p:txBody>
-          <a:bodyPr>
-            <a:normAutofit/>
-          </a:bodyPr>
-          <a:lstStyle/>
-          <a:p>
-            <a:pPr algn="just"/>
-            <a:endParaRPr lang="en-US" dirty="0"/>
-          </a:p>
-        </p:txBody>
-      </p:sp>
-    </p:spTree>
-    <p:extLst>
-      <p:ext uri="{BB962C8B-B14F-4D97-AF65-F5344CB8AC3E}">
-        <p14:creationId xmlns:p14="http://schemas.microsoft.com/office/powerpoint/2010/main" val="4017784623"/>
-      </p:ext>
-    </p:extLst>
-  </p:cSld>
-  <p:clrMapOvr>
-    <a:masterClrMapping/>
-  </p:clrMapOvr>
-</p:sld>
-</file>
-
-<file path=ppt/slides/slide12.xml><?xml version="1.0" encoding="utf-8"?>
-<p:sld xmlns:a="http://schemas.openxmlformats.org/drawingml/2006/main" xmlns:r="http://schemas.openxmlformats.org/officeDocument/2006/relationships" xmlns:p="http://schemas.openxmlformats.org/presentationml/2006/main">
-  <p:cSld>
-    <p:spTree>
-      <p:nvGrpSpPr>
-        <p:cNvPr id="1" name=""/>
-        <p:cNvGrpSpPr/>
-        <p:nvPr/>
-      </p:nvGrpSpPr>
-      <p:grpSpPr>
-        <a:xfrm>
-          <a:off x="0" y="0"/>
-          <a:ext cx="0" cy="0"/>
-          <a:chOff x="0" y="0"/>
-          <a:chExt cx="0" cy="0"/>
-        </a:xfrm>
-      </p:grpSpPr>
-      <p:sp>
-        <p:nvSpPr>
-          <p:cNvPr id="2" name="Title 1">
-            <a:extLst>
-              <a:ext uri="{FF2B5EF4-FFF2-40B4-BE49-F238E27FC236}">
                 <a16:creationId xmlns:a16="http://schemas.microsoft.com/office/drawing/2014/main" id="{2A6FD232-5D01-47B7-A9A2-8757040CE073}"/>
               </a:ext>
             </a:extLst>
@@ -4952,13 +5135,564 @@
         </p:spPr>
         <p:txBody>
           <a:bodyPr>
-            <a:normAutofit/>
+            <a:normAutofit lnSpcReduction="10000"/>
           </a:bodyPr>
           <a:lstStyle/>
           <a:p>
             <a:pPr algn="just"/>
+            <a:r>
+              <a:rPr lang="en-US" sz="1800" dirty="0" err="1">
+                <a:effectLst/>
+                <a:latin typeface="Times New Roman" panose="02020603050405020304" pitchFamily="18" charset="0"/>
+                <a:ea typeface="Calibri" panose="020F0502020204030204" pitchFamily="34" charset="0"/>
+              </a:rPr>
+              <a:t>Izbor</a:t>
+            </a:r>
+            <a:r>
+              <a:rPr lang="en-US" sz="1800" dirty="0">
+                <a:effectLst/>
+                <a:latin typeface="Times New Roman" panose="02020603050405020304" pitchFamily="18" charset="0"/>
+                <a:ea typeface="Calibri" panose="020F0502020204030204" pitchFamily="34" charset="0"/>
+              </a:rPr>
+              <a:t> </a:t>
+            </a:r>
+            <a:r>
+              <a:rPr lang="en-US" sz="1800" dirty="0" err="1">
+                <a:effectLst/>
+                <a:latin typeface="Times New Roman" panose="02020603050405020304" pitchFamily="18" charset="0"/>
+                <a:ea typeface="Calibri" panose="020F0502020204030204" pitchFamily="34" charset="0"/>
+              </a:rPr>
+              <a:t>na</a:t>
+            </a:r>
+            <a:r>
+              <a:rPr lang="en-US" sz="1800" dirty="0">
+                <a:effectLst/>
+                <a:latin typeface="Times New Roman" panose="02020603050405020304" pitchFamily="18" charset="0"/>
+                <a:ea typeface="Calibri" panose="020F0502020204030204" pitchFamily="34" charset="0"/>
+              </a:rPr>
+              <a:t> </a:t>
+            </a:r>
+            <a:r>
+              <a:rPr lang="en-US" sz="1800" dirty="0" err="1">
+                <a:effectLst/>
+                <a:latin typeface="Times New Roman" panose="02020603050405020304" pitchFamily="18" charset="0"/>
+                <a:ea typeface="Calibri" panose="020F0502020204030204" pitchFamily="34" charset="0"/>
+              </a:rPr>
+              <a:t>osnovu</a:t>
+            </a:r>
+            <a:r>
+              <a:rPr lang="en-US" sz="1800" dirty="0">
+                <a:effectLst/>
+                <a:latin typeface="Times New Roman" panose="02020603050405020304" pitchFamily="18" charset="0"/>
+                <a:ea typeface="Calibri" panose="020F0502020204030204" pitchFamily="34" charset="0"/>
+              </a:rPr>
+              <a:t> </a:t>
+            </a:r>
+            <a:r>
+              <a:rPr lang="en-US" sz="1800" dirty="0" err="1">
+                <a:effectLst/>
+                <a:latin typeface="Times New Roman" panose="02020603050405020304" pitchFamily="18" charset="0"/>
+                <a:ea typeface="Calibri" panose="020F0502020204030204" pitchFamily="34" charset="0"/>
+              </a:rPr>
+              <a:t>performansi</a:t>
+            </a:r>
             <a:endParaRPr lang="en-US" sz="1800" dirty="0">
               <a:effectLst/>
+              <a:latin typeface="Times New Roman" panose="02020603050405020304" pitchFamily="18" charset="0"/>
+              <a:ea typeface="Calibri" panose="020F0502020204030204" pitchFamily="34" charset="0"/>
+            </a:endParaRPr>
+          </a:p>
+          <a:p>
+            <a:pPr algn="just"/>
+            <a:r>
+              <a:rPr lang="en-US" sz="1800" dirty="0" err="1">
+                <a:effectLst/>
+                <a:latin typeface="Times New Roman" panose="02020603050405020304" pitchFamily="18" charset="0"/>
+                <a:ea typeface="Calibri" panose="020F0502020204030204" pitchFamily="34" charset="0"/>
+              </a:rPr>
+              <a:t>Nizak</a:t>
+            </a:r>
+            <a:r>
+              <a:rPr lang="en-US" sz="1800" dirty="0">
+                <a:effectLst/>
+                <a:latin typeface="Times New Roman" panose="02020603050405020304" pitchFamily="18" charset="0"/>
+                <a:ea typeface="Calibri" panose="020F0502020204030204" pitchFamily="34" charset="0"/>
+              </a:rPr>
+              <a:t> RTO – </a:t>
+            </a:r>
+            <a:r>
+              <a:rPr lang="en-US" sz="1800" dirty="0" err="1">
+                <a:effectLst/>
+                <a:latin typeface="Times New Roman" panose="02020603050405020304" pitchFamily="18" charset="0"/>
+                <a:ea typeface="Calibri" panose="020F0502020204030204" pitchFamily="34" charset="0"/>
+              </a:rPr>
+              <a:t>kratko</a:t>
+            </a:r>
+            <a:r>
+              <a:rPr lang="en-US" sz="1800" dirty="0">
+                <a:effectLst/>
+                <a:latin typeface="Times New Roman" panose="02020603050405020304" pitchFamily="18" charset="0"/>
+                <a:ea typeface="Calibri" panose="020F0502020204030204" pitchFamily="34" charset="0"/>
+              </a:rPr>
+              <a:t> </a:t>
+            </a:r>
+            <a:r>
+              <a:rPr lang="en-US" sz="1800" dirty="0" err="1">
+                <a:effectLst/>
+                <a:latin typeface="Times New Roman" panose="02020603050405020304" pitchFamily="18" charset="0"/>
+                <a:ea typeface="Calibri" panose="020F0502020204030204" pitchFamily="34" charset="0"/>
+              </a:rPr>
+              <a:t>vreme</a:t>
+            </a:r>
+            <a:r>
+              <a:rPr lang="en-US" sz="1800" dirty="0">
+                <a:effectLst/>
+                <a:latin typeface="Times New Roman" panose="02020603050405020304" pitchFamily="18" charset="0"/>
+                <a:ea typeface="Calibri" panose="020F0502020204030204" pitchFamily="34" charset="0"/>
+              </a:rPr>
+              <a:t> </a:t>
+            </a:r>
+            <a:r>
+              <a:rPr lang="en-US" sz="1800" dirty="0" err="1">
+                <a:effectLst/>
+                <a:latin typeface="Times New Roman" panose="02020603050405020304" pitchFamily="18" charset="0"/>
+                <a:ea typeface="Calibri" panose="020F0502020204030204" pitchFamily="34" charset="0"/>
+              </a:rPr>
+              <a:t>oporavka</a:t>
+            </a:r>
+            <a:r>
+              <a:rPr lang="en-US" sz="1800" dirty="0">
+                <a:latin typeface="Times New Roman" panose="02020603050405020304" pitchFamily="18" charset="0"/>
+                <a:ea typeface="Calibri" panose="020F0502020204030204" pitchFamily="34" charset="0"/>
+              </a:rPr>
+              <a:t> – </a:t>
+            </a:r>
+            <a:r>
+              <a:rPr lang="en-US" sz="1800" dirty="0" err="1">
+                <a:latin typeface="Times New Roman" panose="02020603050405020304" pitchFamily="18" charset="0"/>
+                <a:ea typeface="Calibri" panose="020F0502020204030204" pitchFamily="34" charset="0"/>
+              </a:rPr>
+              <a:t>fizički</a:t>
+            </a:r>
+            <a:r>
+              <a:rPr lang="en-US" sz="1800" dirty="0">
+                <a:latin typeface="Times New Roman" panose="02020603050405020304" pitchFamily="18" charset="0"/>
+                <a:ea typeface="Calibri" panose="020F0502020204030204" pitchFamily="34" charset="0"/>
+              </a:rPr>
+              <a:t> snapshot</a:t>
+            </a:r>
+          </a:p>
+          <a:p>
+            <a:pPr algn="just"/>
+            <a:r>
+              <a:rPr lang="en-US" sz="1800" dirty="0" err="1">
+                <a:effectLst/>
+                <a:latin typeface="Times New Roman" panose="02020603050405020304" pitchFamily="18" charset="0"/>
+                <a:ea typeface="Calibri" panose="020F0502020204030204" pitchFamily="34" charset="0"/>
+              </a:rPr>
+              <a:t>Nizak</a:t>
+            </a:r>
+            <a:r>
+              <a:rPr lang="en-US" sz="1800" dirty="0">
+                <a:effectLst/>
+                <a:latin typeface="Times New Roman" panose="02020603050405020304" pitchFamily="18" charset="0"/>
+                <a:ea typeface="Calibri" panose="020F0502020204030204" pitchFamily="34" charset="0"/>
+              </a:rPr>
+              <a:t> RPO – </a:t>
+            </a:r>
+            <a:r>
+              <a:rPr lang="en-US" sz="1800" dirty="0" err="1">
+                <a:effectLst/>
+                <a:latin typeface="Times New Roman" panose="02020603050405020304" pitchFamily="18" charset="0"/>
+                <a:ea typeface="Calibri" panose="020F0502020204030204" pitchFamily="34" charset="0"/>
+              </a:rPr>
+              <a:t>mali</a:t>
+            </a:r>
+            <a:r>
+              <a:rPr lang="en-US" sz="1800" dirty="0">
+                <a:effectLst/>
+                <a:latin typeface="Times New Roman" panose="02020603050405020304" pitchFamily="18" charset="0"/>
+                <a:ea typeface="Calibri" panose="020F0502020204030204" pitchFamily="34" charset="0"/>
+              </a:rPr>
+              <a:t> </a:t>
+            </a:r>
+            <a:r>
+              <a:rPr lang="en-US" sz="1800" dirty="0" err="1">
+                <a:effectLst/>
+                <a:latin typeface="Times New Roman" panose="02020603050405020304" pitchFamily="18" charset="0"/>
+                <a:ea typeface="Calibri" panose="020F0502020204030204" pitchFamily="34" charset="0"/>
+              </a:rPr>
+              <a:t>gubitak</a:t>
+            </a:r>
+            <a:r>
+              <a:rPr lang="en-US" sz="1800" dirty="0">
+                <a:effectLst/>
+                <a:latin typeface="Times New Roman" panose="02020603050405020304" pitchFamily="18" charset="0"/>
+                <a:ea typeface="Calibri" panose="020F0502020204030204" pitchFamily="34" charset="0"/>
+              </a:rPr>
+              <a:t> </a:t>
+            </a:r>
+            <a:r>
+              <a:rPr lang="en-US" sz="1800" dirty="0" err="1">
+                <a:effectLst/>
+                <a:latin typeface="Times New Roman" panose="02020603050405020304" pitchFamily="18" charset="0"/>
+                <a:ea typeface="Calibri" panose="020F0502020204030204" pitchFamily="34" charset="0"/>
+              </a:rPr>
+              <a:t>podataka</a:t>
+            </a:r>
+            <a:r>
+              <a:rPr lang="en-US" sz="1800" dirty="0">
+                <a:effectLst/>
+                <a:latin typeface="Times New Roman" panose="02020603050405020304" pitchFamily="18" charset="0"/>
+                <a:ea typeface="Calibri" panose="020F0502020204030204" pitchFamily="34" charset="0"/>
+              </a:rPr>
+              <a:t>, </a:t>
+            </a:r>
+            <a:r>
+              <a:rPr lang="en-US" sz="1800" dirty="0" err="1">
+                <a:effectLst/>
+                <a:latin typeface="Times New Roman" panose="02020603050405020304" pitchFamily="18" charset="0"/>
+                <a:ea typeface="Calibri" panose="020F0502020204030204" pitchFamily="34" charset="0"/>
+              </a:rPr>
+              <a:t>često</a:t>
+            </a:r>
+            <a:r>
+              <a:rPr lang="en-US" sz="1800" dirty="0">
+                <a:effectLst/>
+                <a:latin typeface="Times New Roman" panose="02020603050405020304" pitchFamily="18" charset="0"/>
+                <a:ea typeface="Calibri" panose="020F0502020204030204" pitchFamily="34" charset="0"/>
+              </a:rPr>
+              <a:t> </a:t>
+            </a:r>
+            <a:r>
+              <a:rPr lang="en-US" sz="1800" dirty="0" err="1">
+                <a:effectLst/>
+                <a:latin typeface="Times New Roman" panose="02020603050405020304" pitchFamily="18" charset="0"/>
+                <a:ea typeface="Calibri" panose="020F0502020204030204" pitchFamily="34" charset="0"/>
+              </a:rPr>
+              <a:t>omogućen</a:t>
+            </a:r>
+            <a:r>
+              <a:rPr lang="en-US" sz="1800" dirty="0">
+                <a:effectLst/>
+                <a:latin typeface="Times New Roman" panose="02020603050405020304" pitchFamily="18" charset="0"/>
+                <a:ea typeface="Calibri" panose="020F0502020204030204" pitchFamily="34" charset="0"/>
+              </a:rPr>
+              <a:t> PITR – Atlas Continuous Cloud, Cloud/ Ops Manager</a:t>
+            </a:r>
+          </a:p>
+          <a:p>
+            <a:pPr algn="just"/>
+            <a:r>
+              <a:rPr lang="en-US" sz="1800" dirty="0">
+                <a:effectLst/>
+                <a:latin typeface="Times New Roman" panose="02020603050405020304" pitchFamily="18" charset="0"/>
+                <a:ea typeface="Calibri" panose="020F0502020204030204" pitchFamily="34" charset="0"/>
+              </a:rPr>
+              <a:t>Mala </a:t>
+            </a:r>
+            <a:r>
+              <a:rPr lang="en-US" sz="1800" dirty="0" err="1">
+                <a:effectLst/>
+                <a:latin typeface="Times New Roman" panose="02020603050405020304" pitchFamily="18" charset="0"/>
+                <a:ea typeface="Calibri" panose="020F0502020204030204" pitchFamily="34" charset="0"/>
+              </a:rPr>
+              <a:t>operativna</a:t>
+            </a:r>
+            <a:r>
+              <a:rPr lang="en-US" sz="1800" dirty="0">
+                <a:effectLst/>
+                <a:latin typeface="Times New Roman" panose="02020603050405020304" pitchFamily="18" charset="0"/>
+                <a:ea typeface="Calibri" panose="020F0502020204030204" pitchFamily="34" charset="0"/>
+              </a:rPr>
+              <a:t> </a:t>
+            </a:r>
+            <a:r>
+              <a:rPr lang="en-US" sz="1800" dirty="0" err="1">
+                <a:effectLst/>
+                <a:latin typeface="Times New Roman" panose="02020603050405020304" pitchFamily="18" charset="0"/>
+                <a:ea typeface="Calibri" panose="020F0502020204030204" pitchFamily="34" charset="0"/>
+              </a:rPr>
+              <a:t>složenost</a:t>
+            </a:r>
+            <a:r>
+              <a:rPr lang="en-US" sz="1800" dirty="0">
+                <a:effectLst/>
+                <a:latin typeface="Times New Roman" panose="02020603050405020304" pitchFamily="18" charset="0"/>
+                <a:ea typeface="Calibri" panose="020F0502020204030204" pitchFamily="34" charset="0"/>
+              </a:rPr>
+              <a:t> – </a:t>
+            </a:r>
+            <a:r>
+              <a:rPr lang="en-US" sz="1800" dirty="0" err="1">
+                <a:effectLst/>
+                <a:latin typeface="Times New Roman" panose="02020603050405020304" pitchFamily="18" charset="0"/>
+                <a:ea typeface="Calibri" panose="020F0502020204030204" pitchFamily="34" charset="0"/>
+              </a:rPr>
+              <a:t>rešenja</a:t>
+            </a:r>
+            <a:r>
+              <a:rPr lang="en-US" sz="1800" dirty="0">
+                <a:effectLst/>
+                <a:latin typeface="Times New Roman" panose="02020603050405020304" pitchFamily="18" charset="0"/>
+                <a:ea typeface="Calibri" panose="020F0502020204030204" pitchFamily="34" charset="0"/>
+              </a:rPr>
+              <a:t> </a:t>
+            </a:r>
+            <a:r>
+              <a:rPr lang="en-US" sz="1800" dirty="0" err="1">
+                <a:effectLst/>
+                <a:latin typeface="Times New Roman" panose="02020603050405020304" pitchFamily="18" charset="0"/>
+                <a:ea typeface="Calibri" panose="020F0502020204030204" pitchFamily="34" charset="0"/>
+              </a:rPr>
+              <a:t>koja</a:t>
+            </a:r>
+            <a:r>
+              <a:rPr lang="en-US" sz="1800" dirty="0">
+                <a:effectLst/>
+                <a:latin typeface="Times New Roman" panose="02020603050405020304" pitchFamily="18" charset="0"/>
+                <a:ea typeface="Calibri" panose="020F0502020204030204" pitchFamily="34" charset="0"/>
+              </a:rPr>
+              <a:t> </a:t>
+            </a:r>
+            <a:r>
+              <a:rPr lang="en-US" sz="1800" dirty="0" err="1">
+                <a:effectLst/>
+                <a:latin typeface="Times New Roman" panose="02020603050405020304" pitchFamily="18" charset="0"/>
+                <a:ea typeface="Calibri" panose="020F0502020204030204" pitchFamily="34" charset="0"/>
+              </a:rPr>
+              <a:t>pružaju</a:t>
+            </a:r>
+            <a:r>
+              <a:rPr lang="en-US" sz="1800" dirty="0">
+                <a:effectLst/>
+                <a:latin typeface="Times New Roman" panose="02020603050405020304" pitchFamily="18" charset="0"/>
+                <a:ea typeface="Calibri" panose="020F0502020204030204" pitchFamily="34" charset="0"/>
+              </a:rPr>
+              <a:t> </a:t>
+            </a:r>
+            <a:r>
+              <a:rPr lang="en-US" sz="1800" dirty="0" err="1">
+                <a:effectLst/>
+                <a:latin typeface="Times New Roman" panose="02020603050405020304" pitchFamily="18" charset="0"/>
+                <a:ea typeface="Calibri" panose="020F0502020204030204" pitchFamily="34" charset="0"/>
+              </a:rPr>
+              <a:t>orkestraciju</a:t>
+            </a:r>
+            <a:r>
+              <a:rPr lang="en-US" sz="1800" dirty="0">
+                <a:effectLst/>
+                <a:latin typeface="Times New Roman" panose="02020603050405020304" pitchFamily="18" charset="0"/>
+                <a:ea typeface="Calibri" panose="020F0502020204030204" pitchFamily="34" charset="0"/>
+              </a:rPr>
+              <a:t> (Atlas Backup) </a:t>
+            </a:r>
+            <a:r>
+              <a:rPr lang="en-US" sz="1800" dirty="0" err="1">
+                <a:effectLst/>
+                <a:latin typeface="Times New Roman" panose="02020603050405020304" pitchFamily="18" charset="0"/>
+                <a:ea typeface="Calibri" panose="020F0502020204030204" pitchFamily="34" charset="0"/>
+              </a:rPr>
+              <a:t>i</a:t>
+            </a:r>
+            <a:r>
+              <a:rPr lang="en-US" sz="1800" dirty="0">
+                <a:effectLst/>
+                <a:latin typeface="Times New Roman" panose="02020603050405020304" pitchFamily="18" charset="0"/>
+                <a:ea typeface="Calibri" panose="020F0502020204030204" pitchFamily="34" charset="0"/>
+              </a:rPr>
+              <a:t> </a:t>
+            </a:r>
+            <a:r>
+              <a:rPr lang="en-US" sz="1800" dirty="0" err="1">
+                <a:effectLst/>
+                <a:latin typeface="Times New Roman" panose="02020603050405020304" pitchFamily="18" charset="0"/>
+                <a:ea typeface="Calibri" panose="020F0502020204030204" pitchFamily="34" charset="0"/>
+              </a:rPr>
+              <a:t>jednostavne</a:t>
+            </a:r>
+            <a:r>
+              <a:rPr lang="en-US" sz="1800" dirty="0">
+                <a:effectLst/>
+                <a:latin typeface="Times New Roman" panose="02020603050405020304" pitchFamily="18" charset="0"/>
+                <a:ea typeface="Calibri" panose="020F0502020204030204" pitchFamily="34" charset="0"/>
+              </a:rPr>
+              <a:t> </a:t>
+            </a:r>
+            <a:r>
+              <a:rPr lang="en-US" sz="1800" dirty="0" err="1">
+                <a:effectLst/>
+                <a:latin typeface="Times New Roman" panose="02020603050405020304" pitchFamily="18" charset="0"/>
+                <a:ea typeface="Calibri" panose="020F0502020204030204" pitchFamily="34" charset="0"/>
+              </a:rPr>
+              <a:t>komande</a:t>
+            </a:r>
+            <a:r>
+              <a:rPr lang="en-US" sz="1800" dirty="0">
+                <a:effectLst/>
+                <a:latin typeface="Times New Roman" panose="02020603050405020304" pitchFamily="18" charset="0"/>
+                <a:ea typeface="Calibri" panose="020F0502020204030204" pitchFamily="34" charset="0"/>
+              </a:rPr>
+              <a:t> (</a:t>
+            </a:r>
+            <a:r>
+              <a:rPr lang="en-US" sz="1800" dirty="0" err="1">
+                <a:effectLst/>
+                <a:latin typeface="Times New Roman" panose="02020603050405020304" pitchFamily="18" charset="0"/>
+                <a:ea typeface="Calibri" panose="020F0502020204030204" pitchFamily="34" charset="0"/>
+              </a:rPr>
+              <a:t>mongodump</a:t>
+            </a:r>
+            <a:r>
+              <a:rPr lang="en-US" sz="1800" dirty="0">
+                <a:effectLst/>
+                <a:latin typeface="Times New Roman" panose="02020603050405020304" pitchFamily="18" charset="0"/>
+                <a:ea typeface="Calibri" panose="020F0502020204030204" pitchFamily="34" charset="0"/>
+              </a:rPr>
+              <a:t>/ </a:t>
+            </a:r>
+            <a:r>
+              <a:rPr lang="en-US" sz="1800" dirty="0" err="1">
+                <a:effectLst/>
+                <a:latin typeface="Times New Roman" panose="02020603050405020304" pitchFamily="18" charset="0"/>
+                <a:ea typeface="Calibri" panose="020F0502020204030204" pitchFamily="34" charset="0"/>
+              </a:rPr>
+              <a:t>mongorestore</a:t>
+            </a:r>
+            <a:r>
+              <a:rPr lang="en-US" sz="1800" dirty="0">
+                <a:effectLst/>
+                <a:latin typeface="Times New Roman" panose="02020603050405020304" pitchFamily="18" charset="0"/>
+                <a:ea typeface="Calibri" panose="020F0502020204030204" pitchFamily="34" charset="0"/>
+              </a:rPr>
+              <a:t>)</a:t>
+            </a:r>
+          </a:p>
+          <a:p>
+            <a:pPr algn="just"/>
+            <a:r>
+              <a:rPr lang="en-US" sz="1800" dirty="0" err="1">
+                <a:latin typeface="Times New Roman" panose="02020603050405020304" pitchFamily="18" charset="0"/>
+                <a:ea typeface="Calibri" panose="020F0502020204030204" pitchFamily="34" charset="0"/>
+              </a:rPr>
+              <a:t>Samostalne</a:t>
+            </a:r>
+            <a:r>
+              <a:rPr lang="en-US" sz="1800" dirty="0">
+                <a:latin typeface="Times New Roman" panose="02020603050405020304" pitchFamily="18" charset="0"/>
+                <a:ea typeface="Calibri" panose="020F0502020204030204" pitchFamily="34" charset="0"/>
+              </a:rPr>
+              <a:t> instance – snapshot </a:t>
+            </a:r>
+            <a:r>
+              <a:rPr lang="en-US" sz="1800" dirty="0" err="1">
+                <a:latin typeface="Times New Roman" panose="02020603050405020304" pitchFamily="18" charset="0"/>
+                <a:ea typeface="Calibri" panose="020F0502020204030204" pitchFamily="34" charset="0"/>
+              </a:rPr>
+              <a:t>fajl</a:t>
+            </a:r>
+            <a:r>
+              <a:rPr lang="en-US" sz="1800" dirty="0">
+                <a:latin typeface="Times New Roman" panose="02020603050405020304" pitchFamily="18" charset="0"/>
+                <a:ea typeface="Calibri" panose="020F0502020204030204" pitchFamily="34" charset="0"/>
+              </a:rPr>
+              <a:t> Sistema </a:t>
+            </a:r>
+            <a:r>
+              <a:rPr lang="en-US" sz="1800" dirty="0" err="1">
+                <a:latin typeface="Times New Roman" panose="02020603050405020304" pitchFamily="18" charset="0"/>
+                <a:ea typeface="Calibri" panose="020F0502020204030204" pitchFamily="34" charset="0"/>
+              </a:rPr>
+              <a:t>ili</a:t>
+            </a:r>
+            <a:r>
+              <a:rPr lang="en-US" sz="1800" dirty="0">
+                <a:latin typeface="Times New Roman" panose="02020603050405020304" pitchFamily="18" charset="0"/>
+                <a:ea typeface="Calibri" panose="020F0502020204030204" pitchFamily="34" charset="0"/>
+              </a:rPr>
+              <a:t> </a:t>
+            </a:r>
+            <a:r>
+              <a:rPr lang="en-US" sz="1800" dirty="0" err="1">
+                <a:latin typeface="Times New Roman" panose="02020603050405020304" pitchFamily="18" charset="0"/>
+                <a:ea typeface="Calibri" panose="020F0502020204030204" pitchFamily="34" charset="0"/>
+              </a:rPr>
+              <a:t>mongodump</a:t>
+            </a:r>
+            <a:r>
+              <a:rPr lang="en-US" sz="1800" dirty="0">
+                <a:latin typeface="Times New Roman" panose="02020603050405020304" pitchFamily="18" charset="0"/>
+                <a:ea typeface="Calibri" panose="020F0502020204030204" pitchFamily="34" charset="0"/>
+              </a:rPr>
+              <a:t>/ </a:t>
+            </a:r>
+            <a:r>
+              <a:rPr lang="en-US" sz="1800" dirty="0" err="1">
+                <a:latin typeface="Times New Roman" panose="02020603050405020304" pitchFamily="18" charset="0"/>
+                <a:ea typeface="Calibri" panose="020F0502020204030204" pitchFamily="34" charset="0"/>
+              </a:rPr>
+              <a:t>mongorestore</a:t>
+            </a:r>
+            <a:r>
+              <a:rPr lang="en-US" sz="1800" dirty="0">
+                <a:latin typeface="Times New Roman" panose="02020603050405020304" pitchFamily="18" charset="0"/>
+                <a:ea typeface="Calibri" panose="020F0502020204030204" pitchFamily="34" charset="0"/>
+              </a:rPr>
+              <a:t>, </a:t>
+            </a:r>
+            <a:r>
+              <a:rPr lang="en-US" sz="1800" dirty="0" err="1">
+                <a:latin typeface="Times New Roman" panose="02020603050405020304" pitchFamily="18" charset="0"/>
+                <a:ea typeface="Calibri" panose="020F0502020204030204" pitchFamily="34" charset="0"/>
+              </a:rPr>
+              <a:t>klasteri</a:t>
+            </a:r>
+            <a:r>
+              <a:rPr lang="en-US" sz="1800" dirty="0">
+                <a:latin typeface="Times New Roman" panose="02020603050405020304" pitchFamily="18" charset="0"/>
+                <a:ea typeface="Calibri" panose="020F0502020204030204" pitchFamily="34" charset="0"/>
+              </a:rPr>
+              <a:t> – </a:t>
+            </a:r>
+            <a:r>
+              <a:rPr lang="en-US" sz="1800" dirty="0" err="1">
+                <a:latin typeface="Times New Roman" panose="02020603050405020304" pitchFamily="18" charset="0"/>
+                <a:ea typeface="Calibri" panose="020F0502020204030204" pitchFamily="34" charset="0"/>
+              </a:rPr>
+              <a:t>kombinovanje</a:t>
+            </a:r>
+            <a:endParaRPr lang="en-US" sz="1800" dirty="0">
+              <a:latin typeface="Times New Roman" panose="02020603050405020304" pitchFamily="18" charset="0"/>
+              <a:ea typeface="Calibri" panose="020F0502020204030204" pitchFamily="34" charset="0"/>
+            </a:endParaRPr>
+          </a:p>
+          <a:p>
+            <a:pPr algn="just"/>
+            <a:r>
+              <a:rPr lang="en-US" sz="1800" dirty="0" err="1">
+                <a:effectLst/>
+                <a:latin typeface="Times New Roman" panose="02020603050405020304" pitchFamily="18" charset="0"/>
+                <a:ea typeface="Calibri" panose="020F0502020204030204" pitchFamily="34" charset="0"/>
+              </a:rPr>
+              <a:t>Testiranje</a:t>
+            </a:r>
+            <a:r>
+              <a:rPr lang="en-US" sz="1800" dirty="0">
+                <a:effectLst/>
+                <a:latin typeface="Times New Roman" panose="02020603050405020304" pitchFamily="18" charset="0"/>
+                <a:ea typeface="Calibri" panose="020F0502020204030204" pitchFamily="34" charset="0"/>
+              </a:rPr>
+              <a:t> </a:t>
+            </a:r>
+            <a:r>
+              <a:rPr lang="en-US" sz="1800" dirty="0" err="1">
+                <a:effectLst/>
+                <a:latin typeface="Times New Roman" panose="02020603050405020304" pitchFamily="18" charset="0"/>
+                <a:ea typeface="Calibri" panose="020F0502020204030204" pitchFamily="34" charset="0"/>
+              </a:rPr>
+              <a:t>bekapa</a:t>
+            </a:r>
+            <a:endParaRPr lang="en-US" sz="1800" dirty="0">
               <a:latin typeface="Times New Roman" panose="02020603050405020304" pitchFamily="18" charset="0"/>
               <a:ea typeface="Calibri" panose="020F0502020204030204" pitchFamily="34" charset="0"/>
             </a:endParaRPr>
@@ -4978,7 +5712,7 @@
 </p:sld>
 </file>
 
-<file path=ppt/slides/slide13.xml><?xml version="1.0" encoding="utf-8"?>
+<file path=ppt/slides/slide12.xml><?xml version="1.0" encoding="utf-8"?>
 <p:sld xmlns:a="http://schemas.openxmlformats.org/drawingml/2006/main" xmlns:r="http://schemas.openxmlformats.org/officeDocument/2006/relationships" xmlns:p="http://schemas.openxmlformats.org/presentationml/2006/main">
   <p:cSld>
     <p:spTree>
@@ -6920,14 +7654,513 @@
         </p:spPr>
         <p:txBody>
           <a:bodyPr>
-            <a:normAutofit/>
+            <a:normAutofit lnSpcReduction="10000"/>
           </a:bodyPr>
           <a:lstStyle/>
           <a:p>
+            <a:r>
+              <a:rPr lang="en-US" sz="1800" dirty="0" err="1">
+                <a:latin typeface="Times New Roman" panose="02020603050405020304" pitchFamily="18" charset="0"/>
+                <a:ea typeface="Calibri" panose="020F0502020204030204" pitchFamily="34" charset="0"/>
+              </a:rPr>
+              <a:t>Kreiranje</a:t>
+            </a:r>
+            <a:r>
+              <a:rPr lang="en-US" sz="1800" dirty="0">
+                <a:latin typeface="Times New Roman" panose="02020603050405020304" pitchFamily="18" charset="0"/>
+                <a:ea typeface="Calibri" panose="020F0502020204030204" pitchFamily="34" charset="0"/>
+              </a:rPr>
+              <a:t> </a:t>
+            </a:r>
+            <a:r>
+              <a:rPr lang="en-US" sz="1800" dirty="0" err="1">
+                <a:latin typeface="Times New Roman" panose="02020603050405020304" pitchFamily="18" charset="0"/>
+                <a:ea typeface="Calibri" panose="020F0502020204030204" pitchFamily="34" charset="0"/>
+              </a:rPr>
+              <a:t>snimka</a:t>
+            </a:r>
+            <a:r>
+              <a:rPr lang="en-US" sz="1800" dirty="0">
+                <a:latin typeface="Times New Roman" panose="02020603050405020304" pitchFamily="18" charset="0"/>
+                <a:ea typeface="Calibri" panose="020F0502020204030204" pitchFamily="34" charset="0"/>
+              </a:rPr>
+              <a:t> </a:t>
+            </a:r>
+            <a:r>
+              <a:rPr lang="en-US" sz="1800" dirty="0" err="1">
+                <a:latin typeface="Times New Roman" panose="02020603050405020304" pitchFamily="18" charset="0"/>
+                <a:ea typeface="Calibri" panose="020F0502020204030204" pitchFamily="34" charset="0"/>
+              </a:rPr>
+              <a:t>tj</a:t>
+            </a:r>
+            <a:r>
+              <a:rPr lang="en-US" sz="1800" dirty="0">
+                <a:latin typeface="Times New Roman" panose="02020603050405020304" pitchFamily="18" charset="0"/>
+                <a:ea typeface="Calibri" panose="020F0502020204030204" pitchFamily="34" charset="0"/>
+              </a:rPr>
+              <a:t>. </a:t>
+            </a:r>
+            <a:r>
+              <a:rPr lang="en-US" sz="1800" dirty="0" err="1">
+                <a:latin typeface="Times New Roman" panose="02020603050405020304" pitchFamily="18" charset="0"/>
+                <a:ea typeface="Calibri" panose="020F0502020204030204" pitchFamily="34" charset="0"/>
+              </a:rPr>
+              <a:t>beleženje</a:t>
+            </a:r>
+            <a:r>
+              <a:rPr lang="en-US" sz="1800" dirty="0">
+                <a:latin typeface="Times New Roman" panose="02020603050405020304" pitchFamily="18" charset="0"/>
+                <a:ea typeface="Calibri" panose="020F0502020204030204" pitchFamily="34" charset="0"/>
+              </a:rPr>
+              <a:t> </a:t>
+            </a:r>
+            <a:r>
+              <a:rPr lang="en-US" sz="1800" dirty="0" err="1">
+                <a:latin typeface="Times New Roman" panose="02020603050405020304" pitchFamily="18" charset="0"/>
+                <a:ea typeface="Calibri" panose="020F0502020204030204" pitchFamily="34" charset="0"/>
+              </a:rPr>
+              <a:t>trenutnog</a:t>
+            </a:r>
+            <a:r>
+              <a:rPr lang="en-US" sz="1800" dirty="0">
+                <a:latin typeface="Times New Roman" panose="02020603050405020304" pitchFamily="18" charset="0"/>
+                <a:ea typeface="Calibri" panose="020F0502020204030204" pitchFamily="34" charset="0"/>
+              </a:rPr>
+              <a:t> </a:t>
+            </a:r>
+            <a:r>
+              <a:rPr lang="en-US" sz="1800" dirty="0" err="1">
+                <a:latin typeface="Times New Roman" panose="02020603050405020304" pitchFamily="18" charset="0"/>
+                <a:ea typeface="Calibri" panose="020F0502020204030204" pitchFamily="34" charset="0"/>
+              </a:rPr>
+              <a:t>stanja</a:t>
+            </a:r>
+            <a:r>
+              <a:rPr lang="en-US" sz="1800" dirty="0">
+                <a:latin typeface="Times New Roman" panose="02020603050405020304" pitchFamily="18" charset="0"/>
+                <a:ea typeface="Calibri" panose="020F0502020204030204" pitchFamily="34" charset="0"/>
+              </a:rPr>
+              <a:t> </a:t>
+            </a:r>
+            <a:r>
+              <a:rPr lang="en-US" sz="1800" dirty="0" err="1">
+                <a:latin typeface="Times New Roman" panose="02020603050405020304" pitchFamily="18" charset="0"/>
+                <a:ea typeface="Calibri" panose="020F0502020204030204" pitchFamily="34" charset="0"/>
+              </a:rPr>
+              <a:t>klastera</a:t>
+            </a:r>
+            <a:r>
+              <a:rPr lang="en-US" sz="1800" dirty="0">
+                <a:latin typeface="Times New Roman" panose="02020603050405020304" pitchFamily="18" charset="0"/>
+                <a:ea typeface="Calibri" panose="020F0502020204030204" pitchFamily="34" charset="0"/>
+              </a:rPr>
+              <a:t> (</a:t>
+            </a:r>
+            <a:r>
+              <a:rPr lang="en-US" sz="1800" dirty="0" err="1">
+                <a:latin typeface="Times New Roman" panose="02020603050405020304" pitchFamily="18" charset="0"/>
+                <a:ea typeface="Calibri" panose="020F0502020204030204" pitchFamily="34" charset="0"/>
+              </a:rPr>
+              <a:t>podaci</a:t>
+            </a:r>
+            <a:r>
+              <a:rPr lang="en-US" sz="1800" dirty="0">
+                <a:latin typeface="Times New Roman" panose="02020603050405020304" pitchFamily="18" charset="0"/>
+                <a:ea typeface="Calibri" panose="020F0502020204030204" pitchFamily="34" charset="0"/>
+              </a:rPr>
+              <a:t> + </a:t>
+            </a:r>
+            <a:r>
+              <a:rPr lang="en-US" sz="1800" dirty="0" err="1">
+                <a:latin typeface="Times New Roman" panose="02020603050405020304" pitchFamily="18" charset="0"/>
+                <a:ea typeface="Calibri" panose="020F0502020204030204" pitchFamily="34" charset="0"/>
+              </a:rPr>
+              <a:t>podešavanja</a:t>
+            </a:r>
+            <a:r>
+              <a:rPr lang="en-US" sz="1800" dirty="0">
+                <a:latin typeface="Times New Roman" panose="02020603050405020304" pitchFamily="18" charset="0"/>
+                <a:ea typeface="Calibri" panose="020F0502020204030204" pitchFamily="34" charset="0"/>
+              </a:rPr>
+              <a:t>)</a:t>
+            </a:r>
+          </a:p>
+          <a:p>
+            <a:r>
+              <a:rPr lang="en-US" sz="1800" dirty="0" err="1">
+                <a:latin typeface="Times New Roman" panose="02020603050405020304" pitchFamily="18" charset="0"/>
+                <a:ea typeface="Calibri" panose="020F0502020204030204" pitchFamily="34" charset="0"/>
+              </a:rPr>
+              <a:t>Sekundarni</a:t>
+            </a:r>
+            <a:r>
+              <a:rPr lang="en-US" sz="1800" dirty="0">
+                <a:latin typeface="Times New Roman" panose="02020603050405020304" pitchFamily="18" charset="0"/>
+                <a:ea typeface="Calibri" panose="020F0502020204030204" pitchFamily="34" charset="0"/>
+              </a:rPr>
+              <a:t> </a:t>
+            </a:r>
+            <a:r>
+              <a:rPr lang="en-US" sz="1800" dirty="0" err="1">
+                <a:latin typeface="Times New Roman" panose="02020603050405020304" pitchFamily="18" charset="0"/>
+                <a:ea typeface="Calibri" panose="020F0502020204030204" pitchFamily="34" charset="0"/>
+              </a:rPr>
+              <a:t>čvor</a:t>
+            </a:r>
+            <a:r>
+              <a:rPr lang="en-US" sz="1800" dirty="0">
+                <a:latin typeface="Times New Roman" panose="02020603050405020304" pitchFamily="18" charset="0"/>
+                <a:ea typeface="Calibri" panose="020F0502020204030204" pitchFamily="34" charset="0"/>
+              </a:rPr>
+              <a:t> </a:t>
+            </a:r>
+            <a:r>
+              <a:rPr lang="en-US" sz="1800" dirty="0" err="1">
+                <a:latin typeface="Times New Roman" panose="02020603050405020304" pitchFamily="18" charset="0"/>
+                <a:ea typeface="Calibri" panose="020F0502020204030204" pitchFamily="34" charset="0"/>
+              </a:rPr>
+              <a:t>i</a:t>
+            </a:r>
+            <a:r>
+              <a:rPr lang="en-US" sz="1800" dirty="0">
+                <a:latin typeface="Times New Roman" panose="02020603050405020304" pitchFamily="18" charset="0"/>
+                <a:ea typeface="Calibri" panose="020F0502020204030204" pitchFamily="34" charset="0"/>
+              </a:rPr>
+              <a:t> </a:t>
+            </a:r>
+            <a:r>
+              <a:rPr lang="en-US" sz="1800" dirty="0" err="1">
+                <a:latin typeface="Times New Roman" panose="02020603050405020304" pitchFamily="18" charset="0"/>
+                <a:ea typeface="Calibri" panose="020F0502020204030204" pitchFamily="34" charset="0"/>
+              </a:rPr>
+              <a:t>inkrementalni</a:t>
+            </a:r>
+            <a:r>
+              <a:rPr lang="en-US" sz="1800" dirty="0">
+                <a:latin typeface="Times New Roman" panose="02020603050405020304" pitchFamily="18" charset="0"/>
+                <a:ea typeface="Calibri" panose="020F0502020204030204" pitchFamily="34" charset="0"/>
+              </a:rPr>
+              <a:t> snapshot</a:t>
+            </a:r>
+          </a:p>
+          <a:p>
+            <a:r>
+              <a:rPr lang="en-US" sz="1800" b="1" dirty="0">
+                <a:latin typeface="Times New Roman" panose="02020603050405020304" pitchFamily="18" charset="0"/>
+                <a:ea typeface="Calibri" panose="020F0502020204030204" pitchFamily="34" charset="0"/>
+              </a:rPr>
+              <a:t>Cloud Backup</a:t>
+            </a:r>
+          </a:p>
+          <a:p>
+            <a:r>
+              <a:rPr lang="en-US" sz="1800" b="1" dirty="0">
+                <a:latin typeface="Times New Roman" panose="02020603050405020304" pitchFamily="18" charset="0"/>
+                <a:ea typeface="Calibri" panose="020F0502020204030204" pitchFamily="34" charset="0"/>
+              </a:rPr>
+              <a:t>Continuous Cloud Backup </a:t>
+            </a:r>
+            <a:r>
+              <a:rPr lang="en-US" sz="1800" dirty="0">
+                <a:latin typeface="Times New Roman" panose="02020603050405020304" pitchFamily="18" charset="0"/>
+                <a:ea typeface="Calibri" panose="020F0502020204030204" pitchFamily="34" charset="0"/>
+              </a:rPr>
+              <a:t>– PITR (Point In Time Recovery) , </a:t>
+            </a:r>
+            <a:r>
+              <a:rPr lang="en-US" sz="1800" dirty="0" err="1">
+                <a:latin typeface="Times New Roman" panose="02020603050405020304" pitchFamily="18" charset="0"/>
+                <a:ea typeface="Calibri" panose="020F0502020204030204" pitchFamily="34" charset="0"/>
+              </a:rPr>
+              <a:t>čuva</a:t>
+            </a:r>
+            <a:r>
+              <a:rPr lang="en-US" sz="1800" dirty="0">
+                <a:latin typeface="Times New Roman" panose="02020603050405020304" pitchFamily="18" charset="0"/>
+                <a:ea typeface="Calibri" panose="020F0502020204030204" pitchFamily="34" charset="0"/>
+              </a:rPr>
+              <a:t> se </a:t>
+            </a:r>
+            <a:r>
+              <a:rPr lang="en-US" sz="1800" dirty="0" err="1">
+                <a:latin typeface="Times New Roman" panose="02020603050405020304" pitchFamily="18" charset="0"/>
+                <a:ea typeface="Calibri" panose="020F0502020204030204" pitchFamily="34" charset="0"/>
+              </a:rPr>
+              <a:t>oplog</a:t>
+            </a:r>
+            <a:r>
+              <a:rPr lang="en-US" sz="1800" dirty="0">
+                <a:latin typeface="Times New Roman" panose="02020603050405020304" pitchFamily="18" charset="0"/>
+                <a:ea typeface="Calibri" panose="020F0502020204030204" pitchFamily="34" charset="0"/>
+              </a:rPr>
+              <a:t> za </a:t>
+            </a:r>
+            <a:r>
+              <a:rPr lang="en-US" sz="1800" dirty="0" err="1">
+                <a:latin typeface="Times New Roman" panose="02020603050405020304" pitchFamily="18" charset="0"/>
+                <a:ea typeface="Calibri" panose="020F0502020204030204" pitchFamily="34" charset="0"/>
+              </a:rPr>
+              <a:t>oporavak</a:t>
+            </a:r>
+            <a:r>
+              <a:rPr lang="en-US" sz="1800" dirty="0">
+                <a:latin typeface="Times New Roman" panose="02020603050405020304" pitchFamily="18" charset="0"/>
+                <a:ea typeface="Calibri" panose="020F0502020204030204" pitchFamily="34" charset="0"/>
+              </a:rPr>
+              <a:t> </a:t>
+            </a:r>
+            <a:r>
+              <a:rPr lang="en-US" sz="1800" dirty="0" err="1">
+                <a:latin typeface="Times New Roman" panose="02020603050405020304" pitchFamily="18" charset="0"/>
+                <a:ea typeface="Calibri" panose="020F0502020204030204" pitchFamily="34" charset="0"/>
+              </a:rPr>
+              <a:t>na</a:t>
+            </a:r>
+            <a:r>
+              <a:rPr lang="en-US" sz="1800" dirty="0">
+                <a:latin typeface="Times New Roman" panose="02020603050405020304" pitchFamily="18" charset="0"/>
+                <a:ea typeface="Calibri" panose="020F0502020204030204" pitchFamily="34" charset="0"/>
+              </a:rPr>
+              <a:t> </a:t>
+            </a:r>
+            <a:r>
+              <a:rPr lang="en-US" sz="1800" dirty="0" err="1">
+                <a:latin typeface="Times New Roman" panose="02020603050405020304" pitchFamily="18" charset="0"/>
+                <a:ea typeface="Calibri" panose="020F0502020204030204" pitchFamily="34" charset="0"/>
+              </a:rPr>
+              <a:t>tačno</a:t>
+            </a:r>
+            <a:r>
+              <a:rPr lang="en-US" sz="1800" dirty="0">
+                <a:latin typeface="Times New Roman" panose="02020603050405020304" pitchFamily="18" charset="0"/>
+                <a:ea typeface="Calibri" panose="020F0502020204030204" pitchFamily="34" charset="0"/>
+              </a:rPr>
+              <a:t> </a:t>
+            </a:r>
+            <a:r>
+              <a:rPr lang="en-US" sz="1800" dirty="0" err="1">
+                <a:latin typeface="Times New Roman" panose="02020603050405020304" pitchFamily="18" charset="0"/>
+                <a:ea typeface="Calibri" panose="020F0502020204030204" pitchFamily="34" charset="0"/>
+              </a:rPr>
+              <a:t>vreme</a:t>
+            </a:r>
             <a:endParaRPr lang="en-US" sz="1800" dirty="0">
               <a:latin typeface="Times New Roman" panose="02020603050405020304" pitchFamily="18" charset="0"/>
               <a:ea typeface="Calibri" panose="020F0502020204030204" pitchFamily="34" charset="0"/>
             </a:endParaRPr>
+          </a:p>
+          <a:p>
+            <a:r>
+              <a:rPr lang="en-US" sz="1800" dirty="0" err="1">
+                <a:latin typeface="Times New Roman" panose="02020603050405020304" pitchFamily="18" charset="0"/>
+                <a:ea typeface="Calibri" panose="020F0502020204030204" pitchFamily="34" charset="0"/>
+              </a:rPr>
+              <a:t>Oporavkom</a:t>
+            </a:r>
+            <a:r>
+              <a:rPr lang="en-US" sz="1800" dirty="0">
+                <a:latin typeface="Times New Roman" panose="02020603050405020304" pitchFamily="18" charset="0"/>
+                <a:ea typeface="Calibri" panose="020F0502020204030204" pitchFamily="34" charset="0"/>
+              </a:rPr>
+              <a:t> </a:t>
+            </a:r>
+            <a:r>
+              <a:rPr lang="en-US" sz="1800" dirty="0" err="1">
+                <a:latin typeface="Times New Roman" panose="02020603050405020304" pitchFamily="18" charset="0"/>
+                <a:ea typeface="Calibri" panose="020F0502020204030204" pitchFamily="34" charset="0"/>
+              </a:rPr>
+              <a:t>upravlja</a:t>
+            </a:r>
+            <a:r>
+              <a:rPr lang="en-US" sz="1800" dirty="0">
+                <a:latin typeface="Times New Roman" panose="02020603050405020304" pitchFamily="18" charset="0"/>
+                <a:ea typeface="Calibri" panose="020F0502020204030204" pitchFamily="34" charset="0"/>
+              </a:rPr>
+              <a:t> Atlas, </a:t>
+            </a:r>
+            <a:r>
+              <a:rPr lang="en-US" sz="1800" dirty="0" err="1">
+                <a:latin typeface="Times New Roman" panose="02020603050405020304" pitchFamily="18" charset="0"/>
+                <a:ea typeface="Calibri" panose="020F0502020204030204" pitchFamily="34" charset="0"/>
+              </a:rPr>
+              <a:t>nema</a:t>
+            </a:r>
+            <a:r>
+              <a:rPr lang="en-US" sz="1800" dirty="0">
+                <a:latin typeface="Times New Roman" panose="02020603050405020304" pitchFamily="18" charset="0"/>
+                <a:ea typeface="Calibri" panose="020F0502020204030204" pitchFamily="34" charset="0"/>
+              </a:rPr>
+              <a:t> </a:t>
+            </a:r>
+            <a:r>
+              <a:rPr lang="en-US" sz="1800" dirty="0" err="1">
+                <a:latin typeface="Times New Roman" panose="02020603050405020304" pitchFamily="18" charset="0"/>
+                <a:ea typeface="Calibri" panose="020F0502020204030204" pitchFamily="34" charset="0"/>
+              </a:rPr>
+              <a:t>potrebe</a:t>
+            </a:r>
+            <a:r>
+              <a:rPr lang="en-US" sz="1800" dirty="0">
+                <a:latin typeface="Times New Roman" panose="02020603050405020304" pitchFamily="18" charset="0"/>
+                <a:ea typeface="Calibri" panose="020F0502020204030204" pitchFamily="34" charset="0"/>
+              </a:rPr>
+              <a:t> za </a:t>
+            </a:r>
+            <a:r>
+              <a:rPr lang="en-US" sz="1800" dirty="0" err="1">
+                <a:latin typeface="Times New Roman" panose="02020603050405020304" pitchFamily="18" charset="0"/>
+                <a:ea typeface="Calibri" panose="020F0502020204030204" pitchFamily="34" charset="0"/>
+              </a:rPr>
+              <a:t>dodatnom</a:t>
+            </a:r>
+            <a:r>
+              <a:rPr lang="en-US" sz="1800" dirty="0">
+                <a:latin typeface="Times New Roman" panose="02020603050405020304" pitchFamily="18" charset="0"/>
+                <a:ea typeface="Calibri" panose="020F0502020204030204" pitchFamily="34" charset="0"/>
+              </a:rPr>
+              <a:t> </a:t>
+            </a:r>
+            <a:r>
+              <a:rPr lang="en-US" sz="1800" dirty="0" err="1">
+                <a:latin typeface="Times New Roman" panose="02020603050405020304" pitchFamily="18" charset="0"/>
+                <a:ea typeface="Calibri" panose="020F0502020204030204" pitchFamily="34" charset="0"/>
+              </a:rPr>
+              <a:t>orkestracijom</a:t>
+            </a:r>
+            <a:endParaRPr lang="en-US" sz="1800" dirty="0">
+              <a:latin typeface="Times New Roman" panose="02020603050405020304" pitchFamily="18" charset="0"/>
+              <a:ea typeface="Calibri" panose="020F0502020204030204" pitchFamily="34" charset="0"/>
+            </a:endParaRPr>
+          </a:p>
+          <a:p>
+            <a:r>
+              <a:rPr lang="en-US" sz="1800" dirty="0" err="1">
+                <a:latin typeface="Times New Roman" panose="02020603050405020304" pitchFamily="18" charset="0"/>
+                <a:ea typeface="Calibri" panose="020F0502020204030204" pitchFamily="34" charset="0"/>
+              </a:rPr>
+              <a:t>Nedostupni</a:t>
+            </a:r>
+            <a:r>
+              <a:rPr lang="en-US" sz="1800" dirty="0">
+                <a:latin typeface="Times New Roman" panose="02020603050405020304" pitchFamily="18" charset="0"/>
+                <a:ea typeface="Calibri" panose="020F0502020204030204" pitchFamily="34" charset="0"/>
+              </a:rPr>
+              <a:t> za M0</a:t>
+            </a:r>
+          </a:p>
+        </p:txBody>
+      </p:sp>
+      <p:pic>
+        <p:nvPicPr>
+          <p:cNvPr id="4" name="Picture 3">
+            <a:extLst>
+              <a:ext uri="{FF2B5EF4-FFF2-40B4-BE49-F238E27FC236}">
+                <a16:creationId xmlns:a16="http://schemas.microsoft.com/office/drawing/2014/main" id="{17F67E48-9A9C-4B93-B3A3-8E02846F18FB}"/>
+              </a:ext>
+            </a:extLst>
+          </p:cNvPr>
+          <p:cNvPicPr/>
+          <p:nvPr/>
+        </p:nvPicPr>
+        <p:blipFill>
+          <a:blip r:embed="rId2"/>
+          <a:stretch>
+            <a:fillRect/>
+          </a:stretch>
+        </p:blipFill>
+        <p:spPr>
+          <a:xfrm>
+            <a:off x="7410417" y="808056"/>
+            <a:ext cx="2018665" cy="4173855"/>
+          </a:xfrm>
+          <a:prstGeom prst="rect">
+            <a:avLst/>
+          </a:prstGeom>
+        </p:spPr>
+      </p:pic>
+      <p:pic>
+        <p:nvPicPr>
+          <p:cNvPr id="5" name="Picture 4">
+            <a:extLst>
+              <a:ext uri="{FF2B5EF4-FFF2-40B4-BE49-F238E27FC236}">
+                <a16:creationId xmlns:a16="http://schemas.microsoft.com/office/drawing/2014/main" id="{D57490B0-6093-43C3-8C92-D57DA8591146}"/>
+              </a:ext>
+            </a:extLst>
+          </p:cNvPr>
+          <p:cNvPicPr/>
+          <p:nvPr/>
+        </p:nvPicPr>
+        <p:blipFill rotWithShape="1">
+          <a:blip r:embed="rId3"/>
+          <a:srcRect t="1346" b="937"/>
+          <a:stretch/>
+        </p:blipFill>
+        <p:spPr bwMode="auto">
+          <a:xfrm>
+            <a:off x="9774159" y="803611"/>
+            <a:ext cx="2056130" cy="4178300"/>
+          </a:xfrm>
+          <a:prstGeom prst="rect">
+            <a:avLst/>
+          </a:prstGeom>
+          <a:ln>
+            <a:noFill/>
+          </a:ln>
+          <a:extLst>
+            <a:ext uri="{53640926-AAD7-44D8-BBD7-CCE9431645EC}">
+              <a14:shadowObscured xmlns:a14="http://schemas.microsoft.com/office/drawing/2010/main"/>
+            </a:ext>
+          </a:extLst>
+        </p:spPr>
+      </p:pic>
+      <p:sp>
+        <p:nvSpPr>
+          <p:cNvPr id="6" name="TextBox 5">
+            <a:extLst>
+              <a:ext uri="{FF2B5EF4-FFF2-40B4-BE49-F238E27FC236}">
+                <a16:creationId xmlns:a16="http://schemas.microsoft.com/office/drawing/2014/main" id="{7994E06F-9FF0-4C19-920E-4E5FACBC0CBB}"/>
+              </a:ext>
+            </a:extLst>
+          </p:cNvPr>
+          <p:cNvSpPr txBox="1"/>
+          <p:nvPr/>
+        </p:nvSpPr>
+        <p:spPr>
+          <a:xfrm>
+            <a:off x="7613480" y="4981911"/>
+            <a:ext cx="5525407" cy="646331"/>
+          </a:xfrm>
+          <a:prstGeom prst="rect">
+            <a:avLst/>
+          </a:prstGeom>
+          <a:noFill/>
+        </p:spPr>
+        <p:txBody>
+          <a:bodyPr wrap="square" rtlCol="0">
+            <a:spAutoFit/>
+          </a:bodyPr>
+          <a:lstStyle/>
+          <a:p>
+            <a:r>
+              <a:rPr lang="en-US" sz="1800" dirty="0">
+                <a:effectLst/>
+                <a:latin typeface="Times New Roman" panose="02020603050405020304" pitchFamily="18" charset="0"/>
+                <a:ea typeface="Calibri" panose="020F0502020204030204" pitchFamily="34" charset="0"/>
+                <a:cs typeface="Times New Roman" panose="02020603050405020304" pitchFamily="18" charset="0"/>
+              </a:rPr>
+              <a:t>Single-Region		vs	Multi-Region </a:t>
+            </a:r>
+          </a:p>
+          <a:p>
+            <a:r>
+              <a:rPr lang="en-US" sz="1800" dirty="0">
+                <a:effectLst/>
+                <a:latin typeface="Times New Roman" panose="02020603050405020304" pitchFamily="18" charset="0"/>
+                <a:ea typeface="Calibri" panose="020F0502020204030204" pitchFamily="34" charset="0"/>
+                <a:cs typeface="Times New Roman" panose="02020603050405020304" pitchFamily="18" charset="0"/>
+              </a:rPr>
+              <a:t>			Cluster Backup</a:t>
+            </a:r>
           </a:p>
         </p:txBody>
       </p:sp>
@@ -6977,7 +8210,12 @@
             <p:ph type="title"/>
           </p:nvPr>
         </p:nvSpPr>
-        <p:spPr/>
+        <p:spPr>
+          <a:xfrm>
+            <a:off x="2452417" y="711991"/>
+            <a:ext cx="7958331" cy="1077229"/>
+          </a:xfrm>
+        </p:spPr>
         <p:txBody>
           <a:bodyPr/>
           <a:lstStyle/>
@@ -7011,17 +8249,442 @@
         </p:nvSpPr>
         <p:spPr>
           <a:xfrm>
-            <a:off x="1814854" y="1652631"/>
-            <a:ext cx="6834206" cy="1712834"/>
+            <a:off x="1982632" y="4184555"/>
+            <a:ext cx="7471760" cy="2274967"/>
           </a:xfrm>
         </p:spPr>
         <p:txBody>
           <a:bodyPr>
-            <a:normAutofit/>
+            <a:noAutofit/>
           </a:bodyPr>
           <a:lstStyle/>
           <a:p>
-            <a:endParaRPr lang="en-US" sz="1800" dirty="0"/>
+            <a:r>
+              <a:rPr lang="en-US" sz="1800" dirty="0" err="1">
+                <a:latin typeface="Times New Roman" panose="02020603050405020304" pitchFamily="18" charset="0"/>
+                <a:cs typeface="Times New Roman" panose="02020603050405020304" pitchFamily="18" charset="0"/>
+              </a:rPr>
+              <a:t>Samostalna</a:t>
+            </a:r>
+            <a:r>
+              <a:rPr lang="en-US" sz="1800" dirty="0">
+                <a:latin typeface="Times New Roman" panose="02020603050405020304" pitchFamily="18" charset="0"/>
+                <a:cs typeface="Times New Roman" panose="02020603050405020304" pitchFamily="18" charset="0"/>
+              </a:rPr>
+              <a:t> </a:t>
+            </a:r>
+            <a:r>
+              <a:rPr lang="en-US" sz="1800" dirty="0" err="1">
+                <a:latin typeface="Times New Roman" panose="02020603050405020304" pitchFamily="18" charset="0"/>
+                <a:cs typeface="Times New Roman" panose="02020603050405020304" pitchFamily="18" charset="0"/>
+              </a:rPr>
+              <a:t>orkestracija</a:t>
+            </a:r>
+            <a:r>
+              <a:rPr lang="en-US" sz="1800" dirty="0">
+                <a:latin typeface="Times New Roman" panose="02020603050405020304" pitchFamily="18" charset="0"/>
+                <a:cs typeface="Times New Roman" panose="02020603050405020304" pitchFamily="18" charset="0"/>
+              </a:rPr>
+              <a:t> </a:t>
+            </a:r>
+            <a:r>
+              <a:rPr lang="en-US" sz="1800" dirty="0" err="1">
+                <a:latin typeface="Times New Roman" panose="02020603050405020304" pitchFamily="18" charset="0"/>
+                <a:cs typeface="Times New Roman" panose="02020603050405020304" pitchFamily="18" charset="0"/>
+              </a:rPr>
+              <a:t>uz</a:t>
+            </a:r>
+            <a:r>
+              <a:rPr lang="en-US" sz="1800" dirty="0">
+                <a:latin typeface="Times New Roman" panose="02020603050405020304" pitchFamily="18" charset="0"/>
+                <a:cs typeface="Times New Roman" panose="02020603050405020304" pitchFamily="18" charset="0"/>
+              </a:rPr>
+              <a:t> </a:t>
+            </a:r>
+            <a:r>
+              <a:rPr lang="en-US" sz="1800" dirty="0" err="1">
+                <a:latin typeface="Times New Roman" panose="02020603050405020304" pitchFamily="18" charset="0"/>
+                <a:cs typeface="Times New Roman" panose="02020603050405020304" pitchFamily="18" charset="0"/>
+              </a:rPr>
+              <a:t>podršku</a:t>
+            </a:r>
+            <a:r>
+              <a:rPr lang="en-US" sz="1800" dirty="0">
+                <a:latin typeface="Times New Roman" panose="02020603050405020304" pitchFamily="18" charset="0"/>
+                <a:cs typeface="Times New Roman" panose="02020603050405020304" pitchFamily="18" charset="0"/>
+              </a:rPr>
+              <a:t> </a:t>
+            </a:r>
+            <a:r>
+              <a:rPr lang="en-US" sz="1800" dirty="0" err="1">
+                <a:latin typeface="Times New Roman" panose="02020603050405020304" pitchFamily="18" charset="0"/>
+                <a:cs typeface="Times New Roman" panose="02020603050405020304" pitchFamily="18" charset="0"/>
+              </a:rPr>
+              <a:t>hostovanog</a:t>
+            </a:r>
+            <a:r>
+              <a:rPr lang="en-US" sz="1800" dirty="0">
+                <a:latin typeface="Times New Roman" panose="02020603050405020304" pitchFamily="18" charset="0"/>
+                <a:cs typeface="Times New Roman" panose="02020603050405020304" pitchFamily="18" charset="0"/>
+              </a:rPr>
+              <a:t> </a:t>
+            </a:r>
+            <a:r>
+              <a:rPr lang="en-US" sz="1800" dirty="0" err="1">
+                <a:latin typeface="Times New Roman" panose="02020603050405020304" pitchFamily="18" charset="0"/>
+                <a:cs typeface="Times New Roman" panose="02020603050405020304" pitchFamily="18" charset="0"/>
+              </a:rPr>
+              <a:t>servisa</a:t>
+            </a:r>
+            <a:r>
+              <a:rPr lang="en-US" sz="1800" dirty="0">
+                <a:latin typeface="Times New Roman" panose="02020603050405020304" pitchFamily="18" charset="0"/>
+                <a:cs typeface="Times New Roman" panose="02020603050405020304" pitchFamily="18" charset="0"/>
+              </a:rPr>
+              <a:t> za </a:t>
+            </a:r>
+            <a:r>
+              <a:rPr lang="en-US" sz="1800" dirty="0" err="1">
+                <a:latin typeface="Times New Roman" panose="02020603050405020304" pitchFamily="18" charset="0"/>
+                <a:cs typeface="Times New Roman" panose="02020603050405020304" pitchFamily="18" charset="0"/>
+              </a:rPr>
+              <a:t>bekap</a:t>
+            </a:r>
+            <a:r>
+              <a:rPr lang="en-US" sz="1800" dirty="0">
+                <a:latin typeface="Times New Roman" panose="02020603050405020304" pitchFamily="18" charset="0"/>
+                <a:cs typeface="Times New Roman" panose="02020603050405020304" pitchFamily="18" charset="0"/>
+              </a:rPr>
+              <a:t>, </a:t>
+            </a:r>
+            <a:r>
+              <a:rPr lang="en-US" sz="1800" dirty="0" err="1">
+                <a:latin typeface="Times New Roman" panose="02020603050405020304" pitchFamily="18" charset="0"/>
+                <a:cs typeface="Times New Roman" panose="02020603050405020304" pitchFamily="18" charset="0"/>
+              </a:rPr>
+              <a:t>nadzor</a:t>
+            </a:r>
+            <a:r>
+              <a:rPr lang="en-US" sz="1800" dirty="0">
+                <a:latin typeface="Times New Roman" panose="02020603050405020304" pitchFamily="18" charset="0"/>
+                <a:cs typeface="Times New Roman" panose="02020603050405020304" pitchFamily="18" charset="0"/>
+              </a:rPr>
+              <a:t> </a:t>
+            </a:r>
+            <a:r>
+              <a:rPr lang="en-US" sz="1800" dirty="0" err="1">
+                <a:latin typeface="Times New Roman" panose="02020603050405020304" pitchFamily="18" charset="0"/>
+                <a:cs typeface="Times New Roman" panose="02020603050405020304" pitchFamily="18" charset="0"/>
+              </a:rPr>
+              <a:t>i</a:t>
+            </a:r>
+            <a:r>
+              <a:rPr lang="en-US" sz="1800" dirty="0">
+                <a:latin typeface="Times New Roman" panose="02020603050405020304" pitchFamily="18" charset="0"/>
+                <a:cs typeface="Times New Roman" panose="02020603050405020304" pitchFamily="18" charset="0"/>
+              </a:rPr>
+              <a:t> </a:t>
+            </a:r>
+            <a:r>
+              <a:rPr lang="en-US" sz="1800" dirty="0" err="1">
+                <a:latin typeface="Times New Roman" panose="02020603050405020304" pitchFamily="18" charset="0"/>
+                <a:cs typeface="Times New Roman" panose="02020603050405020304" pitchFamily="18" charset="0"/>
+              </a:rPr>
+              <a:t>automatizaciju</a:t>
+            </a:r>
+            <a:endParaRPr lang="en-US" sz="1800" dirty="0">
+              <a:latin typeface="Times New Roman" panose="02020603050405020304" pitchFamily="18" charset="0"/>
+              <a:cs typeface="Times New Roman" panose="02020603050405020304" pitchFamily="18" charset="0"/>
+            </a:endParaRPr>
+          </a:p>
+          <a:p>
+            <a:r>
+              <a:rPr lang="en-US" sz="1800" b="1" dirty="0">
+                <a:latin typeface="Times New Roman" panose="02020603050405020304" pitchFamily="18" charset="0"/>
+                <a:cs typeface="Times New Roman" panose="02020603050405020304" pitchFamily="18" charset="0"/>
+              </a:rPr>
+              <a:t>Cloud Manager </a:t>
+            </a:r>
+            <a:r>
+              <a:rPr lang="en-US" sz="1800" dirty="0" err="1">
+                <a:latin typeface="Times New Roman" panose="02020603050405020304" pitchFamily="18" charset="0"/>
+                <a:cs typeface="Times New Roman" panose="02020603050405020304" pitchFamily="18" charset="0"/>
+              </a:rPr>
+              <a:t>upravlja</a:t>
+            </a:r>
+            <a:r>
+              <a:rPr lang="en-US" sz="1800" dirty="0">
+                <a:latin typeface="Times New Roman" panose="02020603050405020304" pitchFamily="18" charset="0"/>
+                <a:cs typeface="Times New Roman" panose="02020603050405020304" pitchFamily="18" charset="0"/>
+              </a:rPr>
+              <a:t> MongoDB </a:t>
+            </a:r>
+            <a:r>
+              <a:rPr lang="en-US" sz="1800" dirty="0" err="1">
+                <a:latin typeface="Times New Roman" panose="02020603050405020304" pitchFamily="18" charset="0"/>
+                <a:cs typeface="Times New Roman" panose="02020603050405020304" pitchFamily="18" charset="0"/>
+              </a:rPr>
+              <a:t>instancama</a:t>
+            </a:r>
+            <a:r>
+              <a:rPr lang="en-US" sz="1800" dirty="0">
+                <a:latin typeface="Times New Roman" panose="02020603050405020304" pitchFamily="18" charset="0"/>
+                <a:cs typeface="Times New Roman" panose="02020603050405020304" pitchFamily="18" charset="0"/>
+              </a:rPr>
+              <a:t> </a:t>
+            </a:r>
+            <a:r>
+              <a:rPr lang="en-US" sz="1800" dirty="0" err="1">
+                <a:latin typeface="Times New Roman" panose="02020603050405020304" pitchFamily="18" charset="0"/>
+                <a:cs typeface="Times New Roman" panose="02020603050405020304" pitchFamily="18" charset="0"/>
+              </a:rPr>
+              <a:t>gde</a:t>
+            </a:r>
+            <a:r>
+              <a:rPr lang="en-US" sz="1800" dirty="0">
+                <a:latin typeface="Times New Roman" panose="02020603050405020304" pitchFamily="18" charset="0"/>
+                <a:cs typeface="Times New Roman" panose="02020603050405020304" pitchFamily="18" charset="0"/>
+              </a:rPr>
+              <a:t> god da </a:t>
+            </a:r>
+            <a:r>
+              <a:rPr lang="en-US" sz="1800" dirty="0" err="1">
+                <a:latin typeface="Times New Roman" panose="02020603050405020304" pitchFamily="18" charset="0"/>
+                <a:cs typeface="Times New Roman" panose="02020603050405020304" pitchFamily="18" charset="0"/>
+              </a:rPr>
+              <a:t>su</a:t>
+            </a:r>
+            <a:r>
+              <a:rPr lang="en-US" sz="1800" dirty="0">
+                <a:latin typeface="Times New Roman" panose="02020603050405020304" pitchFamily="18" charset="0"/>
+                <a:cs typeface="Times New Roman" panose="02020603050405020304" pitchFamily="18" charset="0"/>
+              </a:rPr>
+              <a:t> </a:t>
+            </a:r>
+            <a:r>
+              <a:rPr lang="en-US" sz="1800" dirty="0" err="1">
+                <a:latin typeface="Times New Roman" panose="02020603050405020304" pitchFamily="18" charset="0"/>
+                <a:cs typeface="Times New Roman" panose="02020603050405020304" pitchFamily="18" charset="0"/>
+              </a:rPr>
+              <a:t>pokrenute</a:t>
+            </a:r>
+            <a:endParaRPr lang="en-US" sz="1800" dirty="0">
+              <a:latin typeface="Times New Roman" panose="02020603050405020304" pitchFamily="18" charset="0"/>
+              <a:cs typeface="Times New Roman" panose="02020603050405020304" pitchFamily="18" charset="0"/>
+            </a:endParaRPr>
+          </a:p>
+          <a:p>
+            <a:r>
+              <a:rPr lang="en-US" sz="1800" b="1" dirty="0">
+                <a:latin typeface="Times New Roman" panose="02020603050405020304" pitchFamily="18" charset="0"/>
+                <a:cs typeface="Times New Roman" panose="02020603050405020304" pitchFamily="18" charset="0"/>
+              </a:rPr>
+              <a:t>Ops Manager </a:t>
+            </a:r>
+            <a:r>
+              <a:rPr lang="en-US" sz="1800" dirty="0" err="1">
+                <a:latin typeface="Times New Roman" panose="02020603050405020304" pitchFamily="18" charset="0"/>
+                <a:cs typeface="Times New Roman" panose="02020603050405020304" pitchFamily="18" charset="0"/>
+              </a:rPr>
+              <a:t>pruža</a:t>
+            </a:r>
+            <a:r>
+              <a:rPr lang="en-US" sz="1800" dirty="0">
+                <a:latin typeface="Times New Roman" panose="02020603050405020304" pitchFamily="18" charset="0"/>
+                <a:cs typeface="Times New Roman" panose="02020603050405020304" pitchFamily="18" charset="0"/>
+              </a:rPr>
+              <a:t> </a:t>
+            </a:r>
+            <a:r>
+              <a:rPr lang="en-US" sz="1800" dirty="0" err="1">
+                <a:latin typeface="Times New Roman" panose="02020603050405020304" pitchFamily="18" charset="0"/>
+                <a:cs typeface="Times New Roman" panose="02020603050405020304" pitchFamily="18" charset="0"/>
+              </a:rPr>
+              <a:t>istu</a:t>
+            </a:r>
+            <a:r>
+              <a:rPr lang="en-US" sz="1800" dirty="0">
+                <a:latin typeface="Times New Roman" panose="02020603050405020304" pitchFamily="18" charset="0"/>
+                <a:cs typeface="Times New Roman" panose="02020603050405020304" pitchFamily="18" charset="0"/>
+              </a:rPr>
+              <a:t> </a:t>
+            </a:r>
+            <a:r>
+              <a:rPr lang="en-US" sz="1800" dirty="0" err="1">
+                <a:latin typeface="Times New Roman" panose="02020603050405020304" pitchFamily="18" charset="0"/>
+                <a:cs typeface="Times New Roman" panose="02020603050405020304" pitchFamily="18" charset="0"/>
+              </a:rPr>
+              <a:t>platformu</a:t>
+            </a:r>
+            <a:r>
+              <a:rPr lang="en-US" sz="1800" dirty="0">
+                <a:latin typeface="Times New Roman" panose="02020603050405020304" pitchFamily="18" charset="0"/>
+                <a:cs typeface="Times New Roman" panose="02020603050405020304" pitchFamily="18" charset="0"/>
+              </a:rPr>
+              <a:t> </a:t>
+            </a:r>
+            <a:r>
+              <a:rPr lang="en-US" sz="1800" dirty="0" err="1">
+                <a:latin typeface="Times New Roman" panose="02020603050405020304" pitchFamily="18" charset="0"/>
+                <a:cs typeface="Times New Roman" panose="02020603050405020304" pitchFamily="18" charset="0"/>
+              </a:rPr>
+              <a:t>uz</a:t>
+            </a:r>
+            <a:r>
+              <a:rPr lang="en-US" sz="1800" dirty="0">
+                <a:latin typeface="Times New Roman" panose="02020603050405020304" pitchFamily="18" charset="0"/>
+                <a:cs typeface="Times New Roman" panose="02020603050405020304" pitchFamily="18" charset="0"/>
+              </a:rPr>
+              <a:t> </a:t>
+            </a:r>
+            <a:r>
+              <a:rPr lang="en-US" sz="1800" dirty="0" err="1">
+                <a:latin typeface="Times New Roman" panose="02020603050405020304" pitchFamily="18" charset="0"/>
+                <a:cs typeface="Times New Roman" panose="02020603050405020304" pitchFamily="18" charset="0"/>
+              </a:rPr>
+              <a:t>mogućnost</a:t>
+            </a:r>
+            <a:r>
+              <a:rPr lang="en-US" sz="1800" dirty="0">
+                <a:latin typeface="Times New Roman" panose="02020603050405020304" pitchFamily="18" charset="0"/>
+                <a:cs typeface="Times New Roman" panose="02020603050405020304" pitchFamily="18" charset="0"/>
+              </a:rPr>
+              <a:t> </a:t>
+            </a:r>
+            <a:r>
+              <a:rPr lang="en-US" sz="1800" dirty="0" err="1">
+                <a:latin typeface="Times New Roman" panose="02020603050405020304" pitchFamily="18" charset="0"/>
+                <a:cs typeface="Times New Roman" panose="02020603050405020304" pitchFamily="18" charset="0"/>
+              </a:rPr>
+              <a:t>pokretanja</a:t>
+            </a:r>
+            <a:r>
+              <a:rPr lang="en-US" sz="1800" dirty="0">
+                <a:latin typeface="Times New Roman" panose="02020603050405020304" pitchFamily="18" charset="0"/>
+                <a:cs typeface="Times New Roman" panose="02020603050405020304" pitchFamily="18" charset="0"/>
+              </a:rPr>
+              <a:t> </a:t>
+            </a:r>
+            <a:r>
+              <a:rPr lang="en-US" sz="1800" dirty="0" err="1">
+                <a:latin typeface="Times New Roman" panose="02020603050405020304" pitchFamily="18" charset="0"/>
+                <a:cs typeface="Times New Roman" panose="02020603050405020304" pitchFamily="18" charset="0"/>
+              </a:rPr>
+              <a:t>na</a:t>
+            </a:r>
+            <a:r>
+              <a:rPr lang="en-US" sz="1800" dirty="0">
+                <a:latin typeface="Times New Roman" panose="02020603050405020304" pitchFamily="18" charset="0"/>
+                <a:cs typeface="Times New Roman" panose="02020603050405020304" pitchFamily="18" charset="0"/>
+              </a:rPr>
+              <a:t> </a:t>
+            </a:r>
+            <a:r>
+              <a:rPr lang="en-US" sz="1800" dirty="0" err="1">
+                <a:latin typeface="Times New Roman" panose="02020603050405020304" pitchFamily="18" charset="0"/>
+                <a:cs typeface="Times New Roman" panose="02020603050405020304" pitchFamily="18" charset="0"/>
+              </a:rPr>
+              <a:t>sopstvenoj</a:t>
+            </a:r>
+            <a:r>
+              <a:rPr lang="en-US" sz="1800" dirty="0">
+                <a:latin typeface="Times New Roman" panose="02020603050405020304" pitchFamily="18" charset="0"/>
+                <a:cs typeface="Times New Roman" panose="02020603050405020304" pitchFamily="18" charset="0"/>
+              </a:rPr>
+              <a:t> </a:t>
+            </a:r>
+            <a:r>
+              <a:rPr lang="en-US" sz="1800" dirty="0" err="1">
+                <a:latin typeface="Times New Roman" panose="02020603050405020304" pitchFamily="18" charset="0"/>
+                <a:cs typeface="Times New Roman" panose="02020603050405020304" pitchFamily="18" charset="0"/>
+              </a:rPr>
+              <a:t>infrastrukturi</a:t>
+            </a:r>
+            <a:endParaRPr lang="en-US" sz="1800" dirty="0">
+              <a:latin typeface="Times New Roman" panose="02020603050405020304" pitchFamily="18" charset="0"/>
+              <a:cs typeface="Times New Roman" panose="02020603050405020304" pitchFamily="18" charset="0"/>
+            </a:endParaRPr>
+          </a:p>
+          <a:p>
+            <a:r>
+              <a:rPr lang="en-US" sz="1800" b="1" dirty="0">
+                <a:latin typeface="Times New Roman" panose="02020603050405020304" pitchFamily="18" charset="0"/>
+                <a:cs typeface="Times New Roman" panose="02020603050405020304" pitchFamily="18" charset="0"/>
+              </a:rPr>
+              <a:t>PITR </a:t>
+            </a:r>
+          </a:p>
+        </p:txBody>
+      </p:sp>
+      <p:pic>
+        <p:nvPicPr>
+          <p:cNvPr id="4" name="Picture 3">
+            <a:extLst>
+              <a:ext uri="{FF2B5EF4-FFF2-40B4-BE49-F238E27FC236}">
+                <a16:creationId xmlns:a16="http://schemas.microsoft.com/office/drawing/2014/main" id="{0C74D1D1-2816-4519-81AE-A767DD78F127}"/>
+              </a:ext>
+            </a:extLst>
+          </p:cNvPr>
+          <p:cNvPicPr/>
+          <p:nvPr/>
+        </p:nvPicPr>
+        <p:blipFill>
+          <a:blip r:embed="rId2">
+            <a:extLst>
+              <a:ext uri="{28A0092B-C50C-407E-A947-70E740481C1C}">
+                <a14:useLocalDpi xmlns:a14="http://schemas.microsoft.com/office/drawing/2010/main" val="0"/>
+              </a:ext>
+            </a:extLst>
+          </a:blip>
+          <a:stretch>
+            <a:fillRect/>
+          </a:stretch>
+        </p:blipFill>
+        <p:spPr>
+          <a:xfrm>
+            <a:off x="2234303" y="1322077"/>
+            <a:ext cx="6372225" cy="2703830"/>
+          </a:xfrm>
+          <a:prstGeom prst="rect">
+            <a:avLst/>
+          </a:prstGeom>
+        </p:spPr>
+      </p:pic>
+      <p:sp>
+        <p:nvSpPr>
+          <p:cNvPr id="5" name="TextBox 4">
+            <a:extLst>
+              <a:ext uri="{FF2B5EF4-FFF2-40B4-BE49-F238E27FC236}">
+                <a16:creationId xmlns:a16="http://schemas.microsoft.com/office/drawing/2014/main" id="{2963D0F8-EF58-4AA1-B83C-9A7C9B5877D5}"/>
+              </a:ext>
+            </a:extLst>
+          </p:cNvPr>
+          <p:cNvSpPr txBox="1"/>
+          <p:nvPr/>
+        </p:nvSpPr>
+        <p:spPr>
+          <a:xfrm>
+            <a:off x="8808440" y="2248250"/>
+            <a:ext cx="1669410" cy="369332"/>
+          </a:xfrm>
+          <a:prstGeom prst="rect">
+            <a:avLst/>
+          </a:prstGeom>
+          <a:noFill/>
+        </p:spPr>
+        <p:txBody>
+          <a:bodyPr wrap="square" rtlCol="0">
+            <a:spAutoFit/>
+          </a:bodyPr>
+          <a:lstStyle/>
+          <a:p>
+            <a:r>
+              <a:rPr lang="en-US" dirty="0">
+                <a:latin typeface="Times New Roman" panose="02020603050405020304" pitchFamily="18" charset="0"/>
+                <a:cs typeface="Times New Roman" panose="02020603050405020304" pitchFamily="18" charset="0"/>
+              </a:rPr>
+              <a:t>Cloud Manager</a:t>
+            </a:r>
           </a:p>
         </p:txBody>
       </p:sp>
@@ -7131,7 +8794,7 @@
         <p:spPr>
           <a:xfrm>
             <a:off x="2611808" y="1346670"/>
-            <a:ext cx="6882129" cy="2326937"/>
+            <a:ext cx="7111032" cy="3351165"/>
           </a:xfrm>
         </p:spPr>
         <p:txBody>
@@ -7140,10 +8803,270 @@
           </a:bodyPr>
           <a:lstStyle/>
           <a:p>
-            <a:endParaRPr lang="en-US" sz="1800" b="1" dirty="0">
+            <a:r>
+              <a:rPr lang="en-US" sz="1800" b="1" dirty="0" err="1">
+                <a:latin typeface="Times New Roman" panose="02020603050405020304" pitchFamily="18" charset="0"/>
+                <a:cs typeface="Times New Roman" panose="02020603050405020304" pitchFamily="18" charset="0"/>
+              </a:rPr>
+              <a:t>Fizički</a:t>
+            </a:r>
+            <a:r>
+              <a:rPr lang="en-US" sz="1800" dirty="0">
+                <a:latin typeface="Times New Roman" panose="02020603050405020304" pitchFamily="18" charset="0"/>
+                <a:cs typeface="Times New Roman" panose="02020603050405020304" pitchFamily="18" charset="0"/>
+              </a:rPr>
+              <a:t> </a:t>
+            </a:r>
+            <a:r>
+              <a:rPr lang="en-US" sz="1800" dirty="0" err="1">
+                <a:latin typeface="Times New Roman" panose="02020603050405020304" pitchFamily="18" charset="0"/>
+                <a:cs typeface="Times New Roman" panose="02020603050405020304" pitchFamily="18" charset="0"/>
+              </a:rPr>
+              <a:t>oporavak</a:t>
+            </a:r>
+            <a:r>
+              <a:rPr lang="en-US" sz="1800" dirty="0">
+                <a:latin typeface="Times New Roman" panose="02020603050405020304" pitchFamily="18" charset="0"/>
+                <a:cs typeface="Times New Roman" panose="02020603050405020304" pitchFamily="18" charset="0"/>
+              </a:rPr>
+              <a:t> </a:t>
+            </a:r>
+            <a:r>
+              <a:rPr lang="en-US" sz="1800" dirty="0" err="1">
+                <a:latin typeface="Times New Roman" panose="02020603050405020304" pitchFamily="18" charset="0"/>
+                <a:cs typeface="Times New Roman" panose="02020603050405020304" pitchFamily="18" charset="0"/>
+              </a:rPr>
+              <a:t>sistema</a:t>
+            </a:r>
+            <a:r>
+              <a:rPr lang="en-US" sz="1800" dirty="0">
+                <a:latin typeface="Times New Roman" panose="02020603050405020304" pitchFamily="18" charset="0"/>
+                <a:cs typeface="Times New Roman" panose="02020603050405020304" pitchFamily="18" charset="0"/>
+              </a:rPr>
+              <a:t> </a:t>
+            </a:r>
+            <a:r>
+              <a:rPr lang="en-US" sz="1800" dirty="0" err="1">
+                <a:latin typeface="Times New Roman" panose="02020603050405020304" pitchFamily="18" charset="0"/>
+                <a:cs typeface="Times New Roman" panose="02020603050405020304" pitchFamily="18" charset="0"/>
+              </a:rPr>
+              <a:t>pomoću</a:t>
+            </a:r>
+            <a:r>
+              <a:rPr lang="en-US" sz="1800" dirty="0">
+                <a:latin typeface="Times New Roman" panose="02020603050405020304" pitchFamily="18" charset="0"/>
+                <a:cs typeface="Times New Roman" panose="02020603050405020304" pitchFamily="18" charset="0"/>
+              </a:rPr>
+              <a:t> </a:t>
+            </a:r>
+            <a:r>
+              <a:rPr lang="en-US" sz="1800" b="1" dirty="0">
+                <a:latin typeface="Times New Roman" panose="02020603050405020304" pitchFamily="18" charset="0"/>
+                <a:cs typeface="Times New Roman" panose="02020603050405020304" pitchFamily="18" charset="0"/>
+              </a:rPr>
+              <a:t>snapshot-a</a:t>
+            </a:r>
+          </a:p>
+          <a:p>
+            <a:r>
+              <a:rPr lang="en-US" sz="1800" dirty="0" err="1">
+                <a:latin typeface="Times New Roman" panose="02020603050405020304" pitchFamily="18" charset="0"/>
+                <a:cs typeface="Times New Roman" panose="02020603050405020304" pitchFamily="18" charset="0"/>
+              </a:rPr>
+              <a:t>Zamrzavanje</a:t>
+            </a:r>
+            <a:r>
+              <a:rPr lang="en-US" sz="1800" dirty="0">
+                <a:latin typeface="Times New Roman" panose="02020603050405020304" pitchFamily="18" charset="0"/>
+                <a:cs typeface="Times New Roman" panose="02020603050405020304" pitchFamily="18" charset="0"/>
+              </a:rPr>
+              <a:t> </a:t>
+            </a:r>
+            <a:r>
+              <a:rPr lang="en-US" sz="1800" dirty="0" err="1">
+                <a:latin typeface="Times New Roman" panose="02020603050405020304" pitchFamily="18" charset="0"/>
+                <a:cs typeface="Times New Roman" panose="02020603050405020304" pitchFamily="18" charset="0"/>
+              </a:rPr>
+              <a:t>stanja</a:t>
+            </a:r>
+            <a:r>
+              <a:rPr lang="en-US" sz="1800" dirty="0">
+                <a:latin typeface="Times New Roman" panose="02020603050405020304" pitchFamily="18" charset="0"/>
+                <a:cs typeface="Times New Roman" panose="02020603050405020304" pitchFamily="18" charset="0"/>
+              </a:rPr>
+              <a:t> </a:t>
+            </a:r>
+            <a:r>
+              <a:rPr lang="en-US" sz="1800" dirty="0" err="1">
+                <a:latin typeface="Times New Roman" panose="02020603050405020304" pitchFamily="18" charset="0"/>
+                <a:cs typeface="Times New Roman" panose="02020603050405020304" pitchFamily="18" charset="0"/>
+              </a:rPr>
+              <a:t>podataka</a:t>
+            </a:r>
+            <a:r>
+              <a:rPr lang="en-US" sz="1800" dirty="0">
+                <a:latin typeface="Times New Roman" panose="02020603050405020304" pitchFamily="18" charset="0"/>
+                <a:cs typeface="Times New Roman" panose="02020603050405020304" pitchFamily="18" charset="0"/>
+              </a:rPr>
+              <a:t> bez </a:t>
+            </a:r>
+            <a:r>
+              <a:rPr lang="en-US" sz="1800" dirty="0" err="1">
+                <a:latin typeface="Times New Roman" panose="02020603050405020304" pitchFamily="18" charset="0"/>
+                <a:cs typeface="Times New Roman" panose="02020603050405020304" pitchFamily="18" charset="0"/>
+              </a:rPr>
+              <a:t>prolazak</a:t>
+            </a:r>
+            <a:r>
+              <a:rPr lang="en-US" sz="1800" dirty="0">
+                <a:latin typeface="Times New Roman" panose="02020603050405020304" pitchFamily="18" charset="0"/>
+                <a:cs typeface="Times New Roman" panose="02020603050405020304" pitchFamily="18" charset="0"/>
+              </a:rPr>
+              <a:t> </a:t>
+            </a:r>
+            <a:r>
+              <a:rPr lang="en-US" sz="1800" dirty="0" err="1">
+                <a:latin typeface="Times New Roman" panose="02020603050405020304" pitchFamily="18" charset="0"/>
+                <a:cs typeface="Times New Roman" panose="02020603050405020304" pitchFamily="18" charset="0"/>
+              </a:rPr>
+              <a:t>kroz</a:t>
+            </a:r>
+            <a:r>
+              <a:rPr lang="en-US" sz="1800" dirty="0">
+                <a:latin typeface="Times New Roman" panose="02020603050405020304" pitchFamily="18" charset="0"/>
+                <a:cs typeface="Times New Roman" panose="02020603050405020304" pitchFamily="18" charset="0"/>
+              </a:rPr>
+              <a:t> </a:t>
+            </a:r>
+            <a:r>
+              <a:rPr lang="en-US" sz="1800" dirty="0" err="1">
+                <a:latin typeface="Times New Roman" panose="02020603050405020304" pitchFamily="18" charset="0"/>
+                <a:cs typeface="Times New Roman" panose="02020603050405020304" pitchFamily="18" charset="0"/>
+              </a:rPr>
+              <a:t>dokumente</a:t>
+            </a:r>
+            <a:r>
+              <a:rPr lang="en-US" sz="1800" dirty="0">
+                <a:latin typeface="Times New Roman" panose="02020603050405020304" pitchFamily="18" charset="0"/>
+                <a:cs typeface="Times New Roman" panose="02020603050405020304" pitchFamily="18" charset="0"/>
+              </a:rPr>
+              <a:t> – </a:t>
+            </a:r>
+            <a:r>
+              <a:rPr lang="en-US" sz="1800" dirty="0" err="1">
+                <a:latin typeface="Times New Roman" panose="02020603050405020304" pitchFamily="18" charset="0"/>
+                <a:cs typeface="Times New Roman" panose="02020603050405020304" pitchFamily="18" charset="0"/>
+              </a:rPr>
+              <a:t>velika</a:t>
+            </a:r>
+            <a:r>
+              <a:rPr lang="en-US" sz="1800" dirty="0">
+                <a:latin typeface="Times New Roman" panose="02020603050405020304" pitchFamily="18" charset="0"/>
+                <a:cs typeface="Times New Roman" panose="02020603050405020304" pitchFamily="18" charset="0"/>
+              </a:rPr>
+              <a:t> </a:t>
+            </a:r>
+            <a:r>
+              <a:rPr lang="en-US" sz="1800" dirty="0" err="1">
+                <a:latin typeface="Times New Roman" panose="02020603050405020304" pitchFamily="18" charset="0"/>
+                <a:cs typeface="Times New Roman" panose="02020603050405020304" pitchFamily="18" charset="0"/>
+              </a:rPr>
+              <a:t>brzina</a:t>
+            </a:r>
+            <a:endParaRPr lang="en-US" sz="1800" dirty="0">
               <a:latin typeface="Times New Roman" panose="02020603050405020304" pitchFamily="18" charset="0"/>
               <a:cs typeface="Times New Roman" panose="02020603050405020304" pitchFamily="18" charset="0"/>
             </a:endParaRPr>
+          </a:p>
+          <a:p>
+            <a:r>
+              <a:rPr lang="en-US" sz="1800" b="1" dirty="0">
+                <a:latin typeface="Times New Roman" panose="02020603050405020304" pitchFamily="18" charset="0"/>
+                <a:cs typeface="Times New Roman" panose="02020603050405020304" pitchFamily="18" charset="0"/>
+              </a:rPr>
+              <a:t>Checkpoints </a:t>
+            </a:r>
+          </a:p>
+          <a:p>
+            <a:r>
+              <a:rPr lang="en-US" sz="1800" b="1" dirty="0">
+                <a:latin typeface="Times New Roman" panose="02020603050405020304" pitchFamily="18" charset="0"/>
+                <a:cs typeface="Times New Roman" panose="02020603050405020304" pitchFamily="18" charset="0"/>
+              </a:rPr>
+              <a:t>Snapshot </a:t>
+            </a:r>
+            <a:r>
+              <a:rPr lang="en-US" sz="1800" dirty="0">
+                <a:latin typeface="Times New Roman" panose="02020603050405020304" pitchFamily="18" charset="0"/>
+                <a:cs typeface="Times New Roman" panose="02020603050405020304" pitchFamily="18" charset="0"/>
+              </a:rPr>
+              <a:t>mora </a:t>
+            </a:r>
+            <a:r>
+              <a:rPr lang="en-US" sz="1800" dirty="0" err="1">
+                <a:latin typeface="Times New Roman" panose="02020603050405020304" pitchFamily="18" charset="0"/>
+                <a:cs typeface="Times New Roman" panose="02020603050405020304" pitchFamily="18" charset="0"/>
+              </a:rPr>
+              <a:t>obuhvatiti</a:t>
+            </a:r>
+            <a:r>
+              <a:rPr lang="en-US" sz="1800" dirty="0">
+                <a:latin typeface="Times New Roman" panose="02020603050405020304" pitchFamily="18" charset="0"/>
+                <a:cs typeface="Times New Roman" panose="02020603050405020304" pitchFamily="18" charset="0"/>
+              </a:rPr>
+              <a:t> </a:t>
+            </a:r>
+            <a:r>
+              <a:rPr lang="en-US" sz="1800" dirty="0" err="1">
+                <a:latin typeface="Times New Roman" panose="02020603050405020304" pitchFamily="18" charset="0"/>
+                <a:cs typeface="Times New Roman" panose="02020603050405020304" pitchFamily="18" charset="0"/>
+              </a:rPr>
+              <a:t>i</a:t>
+            </a:r>
+            <a:r>
+              <a:rPr lang="en-US" sz="1800" dirty="0">
+                <a:latin typeface="Times New Roman" panose="02020603050405020304" pitchFamily="18" charset="0"/>
+                <a:cs typeface="Times New Roman" panose="02020603050405020304" pitchFamily="18" charset="0"/>
+              </a:rPr>
+              <a:t> log </a:t>
+            </a:r>
+            <a:r>
+              <a:rPr lang="en-US" sz="1800" dirty="0" err="1">
+                <a:latin typeface="Times New Roman" panose="02020603050405020304" pitchFamily="18" charset="0"/>
+                <a:cs typeface="Times New Roman" panose="02020603050405020304" pitchFamily="18" charset="0"/>
+              </a:rPr>
+              <a:t>datoteku</a:t>
+            </a:r>
+            <a:r>
+              <a:rPr lang="en-US" sz="1800" dirty="0">
+                <a:latin typeface="Times New Roman" panose="02020603050405020304" pitchFamily="18" charset="0"/>
+                <a:cs typeface="Times New Roman" panose="02020603050405020304" pitchFamily="18" charset="0"/>
+              </a:rPr>
+              <a:t> </a:t>
+            </a:r>
+          </a:p>
+          <a:p>
+            <a:r>
+              <a:rPr lang="en-US" sz="1800" dirty="0">
+                <a:latin typeface="Times New Roman" panose="02020603050405020304" pitchFamily="18" charset="0"/>
+                <a:cs typeface="Times New Roman" panose="02020603050405020304" pitchFamily="18" charset="0"/>
+              </a:rPr>
+              <a:t>Ne </a:t>
+            </a:r>
+            <a:r>
+              <a:rPr lang="en-US" sz="1800" dirty="0" err="1">
+                <a:latin typeface="Times New Roman" panose="02020603050405020304" pitchFamily="18" charset="0"/>
+                <a:cs typeface="Times New Roman" panose="02020603050405020304" pitchFamily="18" charset="0"/>
+              </a:rPr>
+              <a:t>podržava</a:t>
+            </a:r>
+            <a:r>
+              <a:rPr lang="en-US" sz="1800" dirty="0">
+                <a:latin typeface="Times New Roman" panose="02020603050405020304" pitchFamily="18" charset="0"/>
+                <a:cs typeface="Times New Roman" panose="02020603050405020304" pitchFamily="18" charset="0"/>
+              </a:rPr>
+              <a:t> PITR</a:t>
+            </a:r>
           </a:p>
         </p:txBody>
       </p:sp>

--- a/Backup i Restore MongoDB.pptx
+++ b/Backup i Restore MongoDB.pptx
@@ -340,7 +340,7 @@
           <a:p>
             <a:fld id="{9AB3A824-1A51-4B26-AD58-A6D8E14F6C04}" type="datetimeFigureOut">
               <a:rPr lang="en-US" dirty="0"/>
-              <a:t>14-Nov-25</a:t>
+              <a:t>19-Nov-25</a:t>
             </a:fld>
             <a:endParaRPr lang="en-US" dirty="0"/>
           </a:p>
@@ -674,7 +674,7 @@
           <a:p>
             <a:fld id="{D857E33E-8B18-4087-B112-809917729534}" type="datetimeFigureOut">
               <a:rPr lang="en-US" dirty="0"/>
-              <a:t>14-Nov-25</a:t>
+              <a:t>19-Nov-25</a:t>
             </a:fld>
             <a:endParaRPr lang="en-US" dirty="0"/>
           </a:p>
@@ -976,7 +976,7 @@
           <a:p>
             <a:fld id="{D3FFE419-2371-464F-8239-3959401C3561}" type="datetimeFigureOut">
               <a:rPr lang="en-US" dirty="0"/>
-              <a:t>14-Nov-25</a:t>
+              <a:t>19-Nov-25</a:t>
             </a:fld>
             <a:endParaRPr lang="en-US" dirty="0"/>
           </a:p>
@@ -1223,7 +1223,7 @@
           <a:p>
             <a:fld id="{97D162C4-EDD9-4389-A98B-B87ECEA2A816}" type="datetimeFigureOut">
               <a:rPr lang="en-US" dirty="0"/>
-              <a:t>14-Nov-25</a:t>
+              <a:t>19-Nov-25</a:t>
             </a:fld>
             <a:endParaRPr lang="en-US" dirty="0"/>
           </a:p>
@@ -1630,7 +1630,7 @@
           <a:p>
             <a:fld id="{3E5059C3-6A89-4494-99FF-5A4D6FFD50EB}" type="datetimeFigureOut">
               <a:rPr lang="en-US" dirty="0"/>
-              <a:t>14-Nov-25</a:t>
+              <a:t>19-Nov-25</a:t>
             </a:fld>
             <a:endParaRPr lang="en-US" dirty="0"/>
           </a:p>
@@ -1944,7 +1944,7 @@
           <a:p>
             <a:fld id="{CA954B2F-12DE-47F5-8894-472B206D2E1E}" type="datetimeFigureOut">
               <a:rPr lang="en-US" dirty="0"/>
-              <a:t>14-Nov-25</a:t>
+              <a:t>19-Nov-25</a:t>
             </a:fld>
             <a:endParaRPr lang="en-US" dirty="0"/>
           </a:p>
@@ -2488,7 +2488,7 @@
           <a:p>
             <a:fld id="{3F30E46F-7819-4ACF-B48B-48222C2ACC88}" type="datetimeFigureOut">
               <a:rPr lang="en-US" dirty="0"/>
-              <a:t>14-Nov-25</a:t>
+              <a:t>19-Nov-25</a:t>
             </a:fld>
             <a:endParaRPr lang="en-US" dirty="0"/>
           </a:p>
@@ -2683,7 +2683,7 @@
           <a:p>
             <a:fld id="{1FAF3416-4057-4DAA-829D-4CA07428D088}" type="datetimeFigureOut">
               <a:rPr lang="en-US" dirty="0"/>
-              <a:t>14-Nov-25</a:t>
+              <a:t>19-Nov-25</a:t>
             </a:fld>
             <a:endParaRPr lang="en-US" dirty="0"/>
           </a:p>
@@ -2896,7 +2896,7 @@
           <a:p>
             <a:fld id="{921D9284-D300-4297-87F7-E791DCC15DB1}" type="datetimeFigureOut">
               <a:rPr lang="en-US" dirty="0"/>
-              <a:t>14-Nov-25</a:t>
+              <a:t>19-Nov-25</a:t>
             </a:fld>
             <a:endParaRPr lang="en-US" dirty="0"/>
           </a:p>
@@ -3265,7 +3265,7 @@
           <a:p>
             <a:fld id="{37D525BB-DA17-4BA0-B3C8-3AC3ABC827E6}" type="datetimeFigureOut">
               <a:rPr lang="en-US" dirty="0"/>
-              <a:t>14-Nov-25</a:t>
+              <a:t>19-Nov-25</a:t>
             </a:fld>
             <a:endParaRPr lang="en-US" dirty="0"/>
           </a:p>
@@ -3668,7 +3668,7 @@
           <a:p>
             <a:fld id="{B16C4C9A-3960-41CF-A4E9-2A8FB932454B}" type="datetimeFigureOut">
               <a:rPr lang="en-US" dirty="0"/>
-              <a:t>14-Nov-25</a:t>
+              <a:t>19-Nov-25</a:t>
             </a:fld>
             <a:endParaRPr lang="en-US" dirty="0"/>
           </a:p>
@@ -3979,7 +3979,7 @@
           <a:p>
             <a:fld id="{3CBC1C18-307B-4F68-A007-B5B542270E8D}" type="datetimeFigureOut">
               <a:rPr lang="en-US" dirty="0"/>
-              <a:t>14-Nov-25</a:t>
+              <a:t>19-Nov-25</a:t>
             </a:fld>
             <a:endParaRPr lang="en-US" dirty="0"/>
           </a:p>
@@ -4607,6 +4607,44 @@
           </a:prstGeom>
         </p:spPr>
       </p:pic>
+      <p:sp>
+        <p:nvSpPr>
+          <p:cNvPr id="4" name="TextBox 3">
+            <a:extLst>
+              <a:ext uri="{FF2B5EF4-FFF2-40B4-BE49-F238E27FC236}">
+                <a16:creationId xmlns:a16="http://schemas.microsoft.com/office/drawing/2014/main" id="{EDF3C787-A8E3-40F5-921E-9E2EE1A35A19}"/>
+              </a:ext>
+            </a:extLst>
+          </p:cNvPr>
+          <p:cNvSpPr txBox="1"/>
+          <p:nvPr/>
+        </p:nvSpPr>
+        <p:spPr>
+          <a:xfrm>
+            <a:off x="1292376" y="5764453"/>
+            <a:ext cx="3032168" cy="400110"/>
+          </a:xfrm>
+          <a:prstGeom prst="rect">
+            <a:avLst/>
+          </a:prstGeom>
+          <a:noFill/>
+        </p:spPr>
+        <p:txBody>
+          <a:bodyPr wrap="square" rtlCol="0">
+            <a:spAutoFit/>
+          </a:bodyPr>
+          <a:lstStyle/>
+          <a:p>
+            <a:r>
+              <a:rPr lang="en-US" sz="2000" b="1" dirty="0">
+                <a:latin typeface="Times New Roman" panose="02020603050405020304" pitchFamily="18" charset="0"/>
+                <a:cs typeface="Times New Roman" panose="02020603050405020304" pitchFamily="18" charset="0"/>
+              </a:rPr>
+              <a:t>Kristina Joksimović 1805</a:t>
+            </a:r>
+          </a:p>
+        </p:txBody>
+      </p:sp>
     </p:spTree>
     <p:extLst>
       <p:ext uri="{BB962C8B-B14F-4D97-AF65-F5344CB8AC3E}">
@@ -5955,6 +5993,40 @@
             <a:r>
               <a:rPr lang="en-US" sz="1800" dirty="0" err="1"/>
               <a:t>oporavak</a:t>
+            </a:r>
+            <a:endParaRPr lang="en-US" sz="1800" dirty="0"/>
+          </a:p>
+          <a:p>
+            <a:pPr algn="just"/>
+            <a:r>
+              <a:rPr lang="en-US" sz="1800" dirty="0"/>
+              <a:t>MongoDB</a:t>
+            </a:r>
+          </a:p>
+          <a:p>
+            <a:pPr algn="just"/>
+            <a:r>
+              <a:rPr lang="en-US" sz="1800" dirty="0" err="1"/>
+              <a:t>Načini</a:t>
+            </a:r>
+            <a:r>
+              <a:rPr lang="en-US" sz="1800" dirty="0"/>
+              <a:t> </a:t>
+            </a:r>
+            <a:r>
+              <a:rPr lang="en-US" sz="1800" dirty="0" err="1"/>
+              <a:t>oporavka</a:t>
+            </a:r>
+            <a:r>
+              <a:rPr lang="en-US" sz="1800" dirty="0"/>
+              <a:t> u MongoDB</a:t>
+            </a:r>
+          </a:p>
+          <a:p>
+            <a:pPr algn="just"/>
+            <a:r>
+              <a:rPr lang="en-US" sz="1800" dirty="0" err="1"/>
+              <a:t>Pregled</a:t>
             </a:r>
             <a:endParaRPr lang="en-US" sz="1800" dirty="0"/>
           </a:p>
